--- a/Slides/Module 02.1 Requirements Analysis.pptx
+++ b/Slides/Module 02.1 Requirements Analysis.pptx
@@ -5,7 +5,7 @@
     <p:sldMasterId id="2147483648" r:id="rId1"/>
   </p:sldMasterIdLst>
   <p:notesMasterIdLst>
-    <p:notesMasterId r:id="rId15"/>
+    <p:notesMasterId r:id="rId14"/>
   </p:notesMasterIdLst>
   <p:sldIdLst>
     <p:sldId id="485" r:id="rId2"/>
@@ -20,17 +20,16 @@
     <p:sldId id="567" r:id="rId11"/>
     <p:sldId id="556" r:id="rId12"/>
     <p:sldId id="601" r:id="rId13"/>
-    <p:sldId id="603" r:id="rId14"/>
   </p:sldIdLst>
   <p:sldSz cx="12192000" cy="6858000"/>
   <p:notesSz cx="6858000" cy="9144000"/>
   <p:embeddedFontLst>
     <p:embeddedFont>
       <p:font typeface="Verdana" panose="020B0604030504040204" pitchFamily="34" charset="0"/>
-      <p:regular r:id="rId16"/>
-      <p:bold r:id="rId17"/>
-      <p:italic r:id="rId18"/>
-      <p:boldItalic r:id="rId19"/>
+      <p:regular r:id="rId15"/>
+      <p:bold r:id="rId16"/>
+      <p:italic r:id="rId17"/>
+      <p:boldItalic r:id="rId18"/>
     </p:embeddedFont>
   </p:embeddedFontLst>
   <p:defaultTextStyle>
@@ -145,7 +144,6 @@
             <p14:sldId id="567"/>
             <p14:sldId id="556"/>
             <p14:sldId id="601"/>
-            <p14:sldId id="603"/>
           </p14:sldIdLst>
         </p14:section>
         <p14:section name="Default Section" id="{45C37290-6811-D443-AFE3-5EC2BFB2F1D9}">
@@ -3651,7 +3649,7 @@
           <a:p>
             <a:fld id="{7C7E5181-6CF5-45F7-A87A-E0E0B1FD7549}" type="datetimeFigureOut">
               <a:rPr lang="en-US" smtClean="0"/>
-              <a:t>12/26/25</a:t>
+              <a:t>12/29/25</a:t>
             </a:fld>
             <a:endParaRPr lang="en-US"/>
           </a:p>
@@ -4427,114 +4425,6 @@
 </p:notes>
 </file>
 
-<file path=ppt/notesSlides/notesSlide13.xml><?xml version="1.0" encoding="utf-8"?>
-<p:notes xmlns:a="http://schemas.openxmlformats.org/drawingml/2006/main" xmlns:r="http://schemas.openxmlformats.org/officeDocument/2006/relationships" xmlns:p="http://schemas.openxmlformats.org/presentationml/2006/main">
-  <p:cSld>
-    <p:spTree>
-      <p:nvGrpSpPr>
-        <p:cNvPr id="1" name="">
-          <a:extLst>
-            <a:ext uri="{FF2B5EF4-FFF2-40B4-BE49-F238E27FC236}">
-              <a16:creationId xmlns:a16="http://schemas.microsoft.com/office/drawing/2014/main" id="{6B05AA35-9DCF-65B8-897A-33E36A79152C}"/>
-            </a:ext>
-          </a:extLst>
-        </p:cNvPr>
-        <p:cNvGrpSpPr/>
-        <p:nvPr/>
-      </p:nvGrpSpPr>
-      <p:grpSpPr>
-        <a:xfrm>
-          <a:off x="0" y="0"/>
-          <a:ext cx="0" cy="0"/>
-          <a:chOff x="0" y="0"/>
-          <a:chExt cx="0" cy="0"/>
-        </a:xfrm>
-      </p:grpSpPr>
-      <p:sp>
-        <p:nvSpPr>
-          <p:cNvPr id="2" name="Slide Image Placeholder 1">
-            <a:extLst>
-              <a:ext uri="{FF2B5EF4-FFF2-40B4-BE49-F238E27FC236}">
-                <a16:creationId xmlns:a16="http://schemas.microsoft.com/office/drawing/2014/main" id="{5D92E55C-5981-165C-CE0D-1C3F9F451209}"/>
-              </a:ext>
-            </a:extLst>
-          </p:cNvPr>
-          <p:cNvSpPr>
-            <a:spLocks noGrp="1" noRot="1" noChangeAspect="1"/>
-          </p:cNvSpPr>
-          <p:nvPr>
-            <p:ph type="sldImg"/>
-          </p:nvPr>
-        </p:nvSpPr>
-        <p:spPr/>
-      </p:sp>
-      <p:sp>
-        <p:nvSpPr>
-          <p:cNvPr id="3" name="Notes Placeholder 2">
-            <a:extLst>
-              <a:ext uri="{FF2B5EF4-FFF2-40B4-BE49-F238E27FC236}">
-                <a16:creationId xmlns:a16="http://schemas.microsoft.com/office/drawing/2014/main" id="{6113F831-1A80-D500-A026-41AA0D950912}"/>
-              </a:ext>
-            </a:extLst>
-          </p:cNvPr>
-          <p:cNvSpPr>
-            <a:spLocks noGrp="1"/>
-          </p:cNvSpPr>
-          <p:nvPr>
-            <p:ph type="body" idx="1"/>
-          </p:nvPr>
-        </p:nvSpPr>
-        <p:spPr/>
-        <p:txBody>
-          <a:bodyPr/>
-          <a:lstStyle/>
-          <a:p>
-            <a:endParaRPr lang="en-US"/>
-          </a:p>
-        </p:txBody>
-      </p:sp>
-      <p:sp>
-        <p:nvSpPr>
-          <p:cNvPr id="4" name="Slide Number Placeholder 3">
-            <a:extLst>
-              <a:ext uri="{FF2B5EF4-FFF2-40B4-BE49-F238E27FC236}">
-                <a16:creationId xmlns:a16="http://schemas.microsoft.com/office/drawing/2014/main" id="{747D17D8-2DCB-F192-B126-C98566BE12AE}"/>
-              </a:ext>
-            </a:extLst>
-          </p:cNvPr>
-          <p:cNvSpPr>
-            <a:spLocks noGrp="1"/>
-          </p:cNvSpPr>
-          <p:nvPr>
-            <p:ph type="sldNum" sz="quarter" idx="5"/>
-          </p:nvPr>
-        </p:nvSpPr>
-        <p:spPr/>
-        <p:txBody>
-          <a:bodyPr/>
-          <a:lstStyle/>
-          <a:p>
-            <a:fld id="{07937F07-1250-4CCE-B198-1B2887014F41}" type="slidenum">
-              <a:rPr lang="en-US" smtClean="0"/>
-              <a:t>13</a:t>
-            </a:fld>
-            <a:endParaRPr lang="en-US"/>
-          </a:p>
-        </p:txBody>
-      </p:sp>
-    </p:spTree>
-    <p:extLst>
-      <p:ext uri="{BB962C8B-B14F-4D97-AF65-F5344CB8AC3E}">
-        <p14:creationId xmlns:p14="http://schemas.microsoft.com/office/powerpoint/2010/main" val="1855982912"/>
-      </p:ext>
-    </p:extLst>
-  </p:cSld>
-  <p:clrMapOvr>
-    <a:masterClrMapping/>
-  </p:clrMapOvr>
-</p:notes>
-</file>
-
 <file path=ppt/notesSlides/notesSlide2.xml><?xml version="1.0" encoding="utf-8"?>
 <p:notes xmlns:a="http://schemas.openxmlformats.org/drawingml/2006/main" xmlns:r="http://schemas.openxmlformats.org/officeDocument/2006/relationships" xmlns:p="http://schemas.openxmlformats.org/presentationml/2006/main">
   <p:cSld>
@@ -5809,7 +5699,7 @@
           <a:p>
             <a:fld id="{5D2A64DE-480B-420F-9649-4F8E696E08E0}" type="datetime1">
               <a:rPr lang="en-US" smtClean="0"/>
-              <a:t>12/26/25</a:t>
+              <a:t>12/29/25</a:t>
             </a:fld>
             <a:endParaRPr lang="en-US"/>
           </a:p>
@@ -6133,7 +6023,7 @@
           <a:p>
             <a:fld id="{EA476A42-A091-4468-A075-64A31BE59948}" type="datetime1">
               <a:rPr lang="en-US" smtClean="0"/>
-              <a:t>12/26/25</a:t>
+              <a:t>12/29/25</a:t>
             </a:fld>
             <a:endParaRPr lang="en-US"/>
           </a:p>
@@ -6331,7 +6221,7 @@
           <a:p>
             <a:fld id="{0D3616D0-8311-4107-9726-6B805E7D05BA}" type="datetime1">
               <a:rPr lang="en-US" smtClean="0"/>
-              <a:t>12/26/25</a:t>
+              <a:t>12/29/25</a:t>
             </a:fld>
             <a:endParaRPr lang="en-US"/>
           </a:p>
@@ -6539,7 +6429,7 @@
           <a:p>
             <a:fld id="{3BC2557A-5C88-417A-A763-5AC779462A5F}" type="datetime1">
               <a:rPr lang="en-US" smtClean="0"/>
-              <a:t>12/26/25</a:t>
+              <a:t>12/29/25</a:t>
             </a:fld>
             <a:endParaRPr lang="en-US"/>
           </a:p>
@@ -6961,7 +6851,7 @@
           <a:p>
             <a:fld id="{07C7BFD4-467E-4EDE-93EA-052F5B39A4E5}" type="datetime1">
               <a:rPr lang="en-US" smtClean="0"/>
-              <a:t>12/26/25</a:t>
+              <a:t>12/29/25</a:t>
             </a:fld>
             <a:endParaRPr lang="en-US"/>
           </a:p>
@@ -7211,7 +7101,7 @@
           <a:p>
             <a:fld id="{07C7BFD4-467E-4EDE-93EA-052F5B39A4E5}" type="datetime1">
               <a:rPr lang="en-US" smtClean="0"/>
-              <a:t>12/26/25</a:t>
+              <a:t>12/29/25</a:t>
             </a:fld>
             <a:endParaRPr lang="en-US"/>
           </a:p>
@@ -7393,7 +7283,7 @@
           <a:p>
             <a:fld id="{109E55A0-C911-4F03-82FC-7E5926047D46}" type="datetime1">
               <a:rPr lang="en-US" smtClean="0"/>
-              <a:t>12/26/25</a:t>
+              <a:t>12/29/25</a:t>
             </a:fld>
             <a:endParaRPr lang="en-US"/>
           </a:p>
@@ -7706,7 +7596,7 @@
           <a:p>
             <a:fld id="{A533CBE2-D5BE-47AC-ADC2-9CDFC1D0CF90}" type="datetime1">
               <a:rPr lang="en-US" smtClean="0"/>
-              <a:t>12/26/25</a:t>
+              <a:t>12/29/25</a:t>
             </a:fld>
             <a:endParaRPr lang="en-US"/>
           </a:p>
@@ -8007,7 +7897,7 @@
           <a:p>
             <a:fld id="{39B7EDB1-CE74-4951-85A2-0B01C2128E28}" type="datetime1">
               <a:rPr lang="en-US" smtClean="0"/>
-              <a:t>12/26/25</a:t>
+              <a:t>12/29/25</a:t>
             </a:fld>
             <a:endParaRPr lang="en-US"/>
           </a:p>
@@ -8455,7 +8345,7 @@
           <a:p>
             <a:fld id="{2BC7EB92-A5C2-4807-A9DC-9EDE6CBFB241}" type="datetime1">
               <a:rPr lang="en-US" smtClean="0"/>
-              <a:t>12/26/25</a:t>
+              <a:t>12/29/25</a:t>
             </a:fld>
             <a:endParaRPr lang="en-US"/>
           </a:p>
@@ -8568,7 +8458,7 @@
           <a:p>
             <a:fld id="{2B7B7EE0-7771-4CD5-9B2B-3550753A54A1}" type="datetime1">
               <a:rPr lang="en-US" smtClean="0"/>
-              <a:t>12/26/25</a:t>
+              <a:t>12/29/25</a:t>
             </a:fld>
             <a:endParaRPr lang="en-US"/>
           </a:p>
@@ -8879,7 +8769,7 @@
           <a:p>
             <a:fld id="{F8B318B3-0E87-4416-A9B8-D891968C2727}" type="datetime1">
               <a:rPr lang="en-US" smtClean="0"/>
-              <a:t>12/26/25</a:t>
+              <a:t>12/29/25</a:t>
             </a:fld>
             <a:endParaRPr lang="en-US"/>
           </a:p>
@@ -9120,7 +9010,7 @@
           <a:p>
             <a:fld id="{54D997E8-DDEE-43F1-8D9B-F8A1E11DE488}" type="datetime1">
               <a:rPr lang="en-US" smtClean="0"/>
-              <a:t>12/26/25</a:t>
+              <a:t>12/29/25</a:t>
             </a:fld>
             <a:endParaRPr lang="en-US"/>
           </a:p>
@@ -10893,161 +10783,6 @@
     <p:extLst>
       <p:ext uri="{BB962C8B-B14F-4D97-AF65-F5344CB8AC3E}">
         <p14:creationId xmlns:p14="http://schemas.microsoft.com/office/powerpoint/2010/main" val="1809121894"/>
-      </p:ext>
-    </p:extLst>
-  </p:cSld>
-  <p:clrMapOvr>
-    <a:masterClrMapping/>
-  </p:clrMapOvr>
-</p:sld>
-</file>
-
-<file path=ppt/slides/slide13.xml><?xml version="1.0" encoding="utf-8"?>
-<p:sld xmlns:a="http://schemas.openxmlformats.org/drawingml/2006/main" xmlns:r="http://schemas.openxmlformats.org/officeDocument/2006/relationships" xmlns:p="http://schemas.openxmlformats.org/presentationml/2006/main">
-  <p:cSld>
-    <p:spTree>
-      <p:nvGrpSpPr>
-        <p:cNvPr id="1" name="">
-          <a:extLst>
-            <a:ext uri="{FF2B5EF4-FFF2-40B4-BE49-F238E27FC236}">
-              <a16:creationId xmlns:a16="http://schemas.microsoft.com/office/drawing/2014/main" id="{AA297E42-2D9C-A270-DC24-23582F597EAC}"/>
-            </a:ext>
-          </a:extLst>
-        </p:cNvPr>
-        <p:cNvGrpSpPr/>
-        <p:nvPr/>
-      </p:nvGrpSpPr>
-      <p:grpSpPr>
-        <a:xfrm>
-          <a:off x="0" y="0"/>
-          <a:ext cx="0" cy="0"/>
-          <a:chOff x="0" y="0"/>
-          <a:chExt cx="0" cy="0"/>
-        </a:xfrm>
-      </p:grpSpPr>
-      <p:sp>
-        <p:nvSpPr>
-          <p:cNvPr id="2" name="Title 1">
-            <a:extLst>
-              <a:ext uri="{FF2B5EF4-FFF2-40B4-BE49-F238E27FC236}">
-                <a16:creationId xmlns:a16="http://schemas.microsoft.com/office/drawing/2014/main" id="{4376F92A-99B9-8D2F-5002-B4BB3EE709F0}"/>
-              </a:ext>
-            </a:extLst>
-          </p:cNvPr>
-          <p:cNvSpPr>
-            <a:spLocks noGrp="1"/>
-          </p:cNvSpPr>
-          <p:nvPr>
-            <p:ph type="title"/>
-          </p:nvPr>
-        </p:nvSpPr>
-        <p:spPr/>
-        <p:txBody>
-          <a:bodyPr/>
-          <a:lstStyle/>
-          <a:p>
-            <a:r>
-              <a:rPr lang="en-US"/>
-              <a:t>Review</a:t>
-            </a:r>
-          </a:p>
-        </p:txBody>
-      </p:sp>
-      <p:sp>
-        <p:nvSpPr>
-          <p:cNvPr id="3" name="Content Placeholder 2">
-            <a:extLst>
-              <a:ext uri="{FF2B5EF4-FFF2-40B4-BE49-F238E27FC236}">
-                <a16:creationId xmlns:a16="http://schemas.microsoft.com/office/drawing/2014/main" id="{E0BF1DB6-9CB5-6F00-B1F7-B160A5A12BE4}"/>
-              </a:ext>
-            </a:extLst>
-          </p:cNvPr>
-          <p:cNvSpPr>
-            <a:spLocks noGrp="1"/>
-          </p:cNvSpPr>
-          <p:nvPr>
-            <p:ph idx="1"/>
-          </p:nvPr>
-        </p:nvSpPr>
-        <p:spPr>
-          <a:xfrm>
-            <a:off x="838200" y="1500159"/>
-            <a:ext cx="8429368" cy="5221315"/>
-          </a:xfrm>
-        </p:spPr>
-        <p:txBody>
-          <a:bodyPr>
-            <a:normAutofit/>
-          </a:bodyPr>
-          <a:lstStyle/>
-          <a:p>
-            <a:pPr marL="0" indent="0">
-              <a:buNone/>
-            </a:pPr>
-            <a:r>
-              <a:rPr lang="en-US" dirty="0"/>
-              <a:t>It’s the end of the lesson, so you should be prepared to:</a:t>
-            </a:r>
-          </a:p>
-          <a:p>
-            <a:pPr lvl="1"/>
-            <a:r>
-              <a:rPr lang="en-US" dirty="0"/>
-              <a:t>Explain the overall purposes of requirements analysis</a:t>
-            </a:r>
-          </a:p>
-          <a:p>
-            <a:pPr lvl="1"/>
-            <a:r>
-              <a:rPr lang="en-US" dirty="0"/>
-              <a:t>Recall the three major dimensions of risk in requirements analysis</a:t>
-            </a:r>
-          </a:p>
-          <a:p>
-            <a:pPr lvl="1"/>
-            <a:r>
-              <a:rPr lang="en-US" dirty="0"/>
-              <a:t>Explain the connection between requirements analysis and user stories</a:t>
-            </a:r>
-          </a:p>
-          <a:p>
-            <a:endParaRPr lang="en-US" dirty="0"/>
-          </a:p>
-        </p:txBody>
-      </p:sp>
-      <p:sp>
-        <p:nvSpPr>
-          <p:cNvPr id="4" name="Slide Number Placeholder 3">
-            <a:extLst>
-              <a:ext uri="{FF2B5EF4-FFF2-40B4-BE49-F238E27FC236}">
-                <a16:creationId xmlns:a16="http://schemas.microsoft.com/office/drawing/2014/main" id="{152C847D-643E-50A8-0FAD-E1B0C31FA574}"/>
-              </a:ext>
-            </a:extLst>
-          </p:cNvPr>
-          <p:cNvSpPr>
-            <a:spLocks noGrp="1"/>
-          </p:cNvSpPr>
-          <p:nvPr>
-            <p:ph type="sldNum" sz="quarter" idx="12"/>
-          </p:nvPr>
-        </p:nvSpPr>
-        <p:spPr/>
-        <p:txBody>
-          <a:bodyPr/>
-          <a:lstStyle/>
-          <a:p>
-            <a:fld id="{20F37917-FD3A-4669-9018-DA04BCDD3D75}" type="slidenum">
-              <a:rPr lang="en-US" smtClean="0"/>
-              <a:t>13</a:t>
-            </a:fld>
-            <a:endParaRPr lang="en-US"/>
-          </a:p>
-        </p:txBody>
-      </p:sp>
-    </p:spTree>
-    <p:extLst>
-      <p:ext uri="{BB962C8B-B14F-4D97-AF65-F5344CB8AC3E}">
-        <p14:creationId xmlns:p14="http://schemas.microsoft.com/office/powerpoint/2010/main" val="1852700494"/>
       </p:ext>
     </p:extLst>
   </p:cSld>
@@ -17887,51 +17622,48 @@
           <a:p>
             <a:r>
               <a:rPr lang="en-US" dirty="0"/>
-              <a:t>“Building the right thing” is necessarily a value judgment </a:t>
-            </a:r>
-          </a:p>
-          <a:p>
-            <a:pPr lvl="1"/>
+              <a:t>Prioritizing conditions of satisfaction within a user story a complex organization activity that requires negotiation</a:t>
+            </a:r>
+          </a:p>
+          <a:p>
             <a:r>
               <a:rPr lang="en-US" dirty="0"/>
-              <a:t>(right for whom? who benefits?)</a:t>
-            </a:r>
-          </a:p>
-          <a:p>
-            <a:pPr marL="457200" lvl="1" indent="0">
-              <a:buNone/>
-            </a:pPr>
-            <a:endParaRPr lang="en-US" dirty="0"/>
-          </a:p>
-          <a:p>
+              <a:t>Prioritizing user stories is a complex </a:t>
+            </a:r>
+            <a:r>
+              <a:rPr lang="en-US" i="1" dirty="0"/>
+              <a:t>planning activity </a:t>
+            </a:r>
             <a:r>
               <a:rPr lang="en-US" dirty="0"/>
-              <a:t>You need some way</a:t>
+              <a:t>that is constrained by resources (budget, time, personnel) and multiple (competing or incompatible) ideas about what’s important</a:t>
+            </a:r>
+          </a:p>
+          <a:p>
+            <a:r>
+              <a:rPr lang="en-US" dirty="0"/>
+              <a:t>“Building the right thing” is </a:t>
             </a:r>
             <a:br>
               <a:rPr lang="en-US" dirty="0"/>
             </a:br>
             <a:r>
               <a:rPr lang="en-US" dirty="0"/>
-              <a:t>to think about what</a:t>
+              <a:t>necessarily a value judgment </a:t>
+            </a:r>
+          </a:p>
+          <a:p>
+            <a:pPr lvl="1"/>
+            <a:r>
+              <a:rPr lang="en-US" dirty="0"/>
+              <a:t>(right for whom? </a:t>
             </a:r>
             <a:br>
               <a:rPr lang="en-US" dirty="0"/>
             </a:br>
             <a:r>
               <a:rPr lang="en-US" dirty="0"/>
-              <a:t>capabilities you </a:t>
-            </a:r>
-            <a:r>
-              <a:rPr lang="en-US" i="1" dirty="0"/>
-              <a:t>shouldn’t</a:t>
-            </a:r>
-            <a:br>
-              <a:rPr lang="en-US" i="1" dirty="0"/>
-            </a:br>
-            <a:r>
-              <a:rPr lang="en-US" dirty="0"/>
-              <a:t>implement!</a:t>
+              <a:t>who benefits?)</a:t>
             </a:r>
           </a:p>
         </p:txBody>
@@ -17987,8 +17719,8 @@
         </p:blipFill>
         <p:spPr>
           <a:xfrm flipH="1">
-            <a:off x="5888452" y="2897287"/>
-            <a:ext cx="2981169" cy="2863800"/>
+            <a:off x="5877403" y="4048025"/>
+            <a:ext cx="2402929" cy="2308325"/>
           </a:xfrm>
           <a:prstGeom prst="rect">
             <a:avLst/>
@@ -18009,7 +17741,7 @@
         </p:nvSpPr>
         <p:spPr>
           <a:xfrm>
-            <a:off x="8869621" y="2857500"/>
+            <a:off x="8610600" y="4048026"/>
             <a:ext cx="2839779" cy="2308324"/>
           </a:xfrm>
           <a:prstGeom prst="rect">

--- a/Slides/Module 02.1 Requirements Analysis.pptx
+++ b/Slides/Module 02.1 Requirements Analysis.pptx
@@ -5,7 +5,7 @@
     <p:sldMasterId id="2147483648" r:id="rId1"/>
   </p:sldMasterIdLst>
   <p:notesMasterIdLst>
-    <p:notesMasterId r:id="rId14"/>
+    <p:notesMasterId r:id="rId16"/>
   </p:notesMasterIdLst>
   <p:sldIdLst>
     <p:sldId id="485" r:id="rId2"/>
@@ -17,19 +17,21 @@
     <p:sldId id="531" r:id="rId8"/>
     <p:sldId id="532" r:id="rId9"/>
     <p:sldId id="582" r:id="rId10"/>
-    <p:sldId id="567" r:id="rId11"/>
-    <p:sldId id="556" r:id="rId12"/>
-    <p:sldId id="601" r:id="rId13"/>
+    <p:sldId id="602" r:id="rId11"/>
+    <p:sldId id="567" r:id="rId12"/>
+    <p:sldId id="603" r:id="rId13"/>
+    <p:sldId id="556" r:id="rId14"/>
+    <p:sldId id="601" r:id="rId15"/>
   </p:sldIdLst>
   <p:sldSz cx="12192000" cy="6858000"/>
   <p:notesSz cx="6858000" cy="9144000"/>
   <p:embeddedFontLst>
     <p:embeddedFont>
       <p:font typeface="Verdana" panose="020B0604030504040204" pitchFamily="34" charset="0"/>
-      <p:regular r:id="rId15"/>
-      <p:bold r:id="rId16"/>
-      <p:italic r:id="rId17"/>
-      <p:boldItalic r:id="rId18"/>
+      <p:regular r:id="rId17"/>
+      <p:bold r:id="rId18"/>
+      <p:italic r:id="rId19"/>
+      <p:boldItalic r:id="rId20"/>
     </p:embeddedFont>
   </p:embeddedFontLst>
   <p:defaultTextStyle>
@@ -141,7 +143,9 @@
             <p14:sldId id="531"/>
             <p14:sldId id="532"/>
             <p14:sldId id="582"/>
+            <p14:sldId id="602"/>
             <p14:sldId id="567"/>
+            <p14:sldId id="603"/>
             <p14:sldId id="556"/>
             <p14:sldId id="601"/>
           </p14:sldIdLst>
@@ -3649,7 +3653,7 @@
           <a:p>
             <a:fld id="{7C7E5181-6CF5-45F7-A87A-E0E0B1FD7549}" type="datetimeFigureOut">
               <a:rPr lang="en-US" smtClean="0"/>
-              <a:t>12/29/25</a:t>
+              <a:t>12/30/25</a:t>
             </a:fld>
             <a:endParaRPr lang="en-US"/>
           </a:p>
@@ -4008,6 +4012,114 @@
         <p:cNvPr id="1" name="">
           <a:extLst>
             <a:ext uri="{FF2B5EF4-FFF2-40B4-BE49-F238E27FC236}">
+              <a16:creationId xmlns:a16="http://schemas.microsoft.com/office/drawing/2014/main" id="{EE90FB39-CDB2-9CD9-EC72-D0CAA7B974CA}"/>
+            </a:ext>
+          </a:extLst>
+        </p:cNvPr>
+        <p:cNvGrpSpPr/>
+        <p:nvPr/>
+      </p:nvGrpSpPr>
+      <p:grpSpPr>
+        <a:xfrm>
+          <a:off x="0" y="0"/>
+          <a:ext cx="0" cy="0"/>
+          <a:chOff x="0" y="0"/>
+          <a:chExt cx="0" cy="0"/>
+        </a:xfrm>
+      </p:grpSpPr>
+      <p:sp>
+        <p:nvSpPr>
+          <p:cNvPr id="2" name="Slide Image Placeholder 1">
+            <a:extLst>
+              <a:ext uri="{FF2B5EF4-FFF2-40B4-BE49-F238E27FC236}">
+                <a16:creationId xmlns:a16="http://schemas.microsoft.com/office/drawing/2014/main" id="{780D8AD2-9C77-486C-981B-C085E00FE65B}"/>
+              </a:ext>
+            </a:extLst>
+          </p:cNvPr>
+          <p:cNvSpPr>
+            <a:spLocks noGrp="1" noRot="1" noChangeAspect="1"/>
+          </p:cNvSpPr>
+          <p:nvPr>
+            <p:ph type="sldImg"/>
+          </p:nvPr>
+        </p:nvSpPr>
+        <p:spPr/>
+      </p:sp>
+      <p:sp>
+        <p:nvSpPr>
+          <p:cNvPr id="3" name="Notes Placeholder 2">
+            <a:extLst>
+              <a:ext uri="{FF2B5EF4-FFF2-40B4-BE49-F238E27FC236}">
+                <a16:creationId xmlns:a16="http://schemas.microsoft.com/office/drawing/2014/main" id="{25396A91-FA39-6F6A-370C-C3438ACBF76C}"/>
+              </a:ext>
+            </a:extLst>
+          </p:cNvPr>
+          <p:cNvSpPr>
+            <a:spLocks noGrp="1"/>
+          </p:cNvSpPr>
+          <p:nvPr>
+            <p:ph type="body" idx="1"/>
+          </p:nvPr>
+        </p:nvSpPr>
+        <p:spPr/>
+        <p:txBody>
+          <a:bodyPr/>
+          <a:lstStyle/>
+          <a:p>
+            <a:endParaRPr lang="en-US" dirty="0"/>
+          </a:p>
+        </p:txBody>
+      </p:sp>
+      <p:sp>
+        <p:nvSpPr>
+          <p:cNvPr id="4" name="Slide Number Placeholder 3">
+            <a:extLst>
+              <a:ext uri="{FF2B5EF4-FFF2-40B4-BE49-F238E27FC236}">
+                <a16:creationId xmlns:a16="http://schemas.microsoft.com/office/drawing/2014/main" id="{4F4F87C0-2884-DED3-0016-14956E227704}"/>
+              </a:ext>
+            </a:extLst>
+          </p:cNvPr>
+          <p:cNvSpPr>
+            <a:spLocks noGrp="1"/>
+          </p:cNvSpPr>
+          <p:nvPr>
+            <p:ph type="sldNum" sz="quarter" idx="5"/>
+          </p:nvPr>
+        </p:nvSpPr>
+        <p:spPr/>
+        <p:txBody>
+          <a:bodyPr/>
+          <a:lstStyle/>
+          <a:p>
+            <a:fld id="{07937F07-1250-4CCE-B198-1B2887014F41}" type="slidenum">
+              <a:rPr lang="en-US" smtClean="0"/>
+              <a:t>10</a:t>
+            </a:fld>
+            <a:endParaRPr lang="en-US"/>
+          </a:p>
+        </p:txBody>
+      </p:sp>
+    </p:spTree>
+    <p:extLst>
+      <p:ext uri="{BB962C8B-B14F-4D97-AF65-F5344CB8AC3E}">
+        <p14:creationId xmlns:p14="http://schemas.microsoft.com/office/powerpoint/2010/main" val="2722745887"/>
+      </p:ext>
+    </p:extLst>
+  </p:cSld>
+  <p:clrMapOvr>
+    <a:masterClrMapping/>
+  </p:clrMapOvr>
+</p:notes>
+</file>
+
+<file path=ppt/notesSlides/notesSlide11.xml><?xml version="1.0" encoding="utf-8"?>
+<p:notes xmlns:a="http://schemas.openxmlformats.org/drawingml/2006/main" xmlns:r="http://schemas.openxmlformats.org/officeDocument/2006/relationships" xmlns:p="http://schemas.openxmlformats.org/presentationml/2006/main">
+  <p:cSld>
+    <p:spTree>
+      <p:nvGrpSpPr>
+        <p:cNvPr id="1" name="">
+          <a:extLst>
+            <a:ext uri="{FF2B5EF4-FFF2-40B4-BE49-F238E27FC236}">
               <a16:creationId xmlns:a16="http://schemas.microsoft.com/office/drawing/2014/main" id="{EBCBE2D2-B91E-ED24-3431-74ABB99CA497}"/>
             </a:ext>
           </a:extLst>
@@ -4062,40 +4174,7 @@
           <a:bodyPr/>
           <a:lstStyle/>
           <a:p>
-            <a:r>
-              <a:rPr lang="en-US" dirty="0"/>
-              <a:t>The process of VSD includes three kinds of investigations:</a:t>
-            </a:r>
-          </a:p>
-          <a:p>
-            <a:pPr marL="171450" indent="-171450">
-              <a:buFontTx/>
-              <a:buChar char="-"/>
-            </a:pPr>
-            <a:r>
-              <a:rPr lang="en-US" dirty="0"/>
-              <a:t>Empirical: This is about understanding how the value works in real life based on observations made in the field or from life experiences.</a:t>
-            </a:r>
-          </a:p>
-          <a:p>
-            <a:pPr marL="171450" indent="-171450">
-              <a:buFontTx/>
-              <a:buChar char="-"/>
-            </a:pPr>
-            <a:r>
-              <a:rPr lang="en-US" dirty="0"/>
-              <a:t>Value: Involves identifying stakeholders, thinking about their goals and values and then finally resolving the value tensions arising from conflicting interests of stakeholders.</a:t>
-            </a:r>
-          </a:p>
-          <a:p>
-            <a:pPr marL="171450" indent="-171450">
-              <a:buFontTx/>
-              <a:buChar char="-"/>
-            </a:pPr>
-            <a:r>
-              <a:rPr lang="en-US" dirty="0"/>
-              <a:t>Technical: The technical feasibility of implementing the solutions.</a:t>
-            </a:r>
+            <a:endParaRPr lang="en-US" dirty="0"/>
           </a:p>
         </p:txBody>
       </p:sp>
@@ -4122,7 +4201,7 @@
           <a:p>
             <a:fld id="{07937F07-1250-4CCE-B198-1B2887014F41}" type="slidenum">
               <a:rPr lang="en-US" smtClean="0"/>
-              <a:t>10</a:t>
+              <a:t>11</a:t>
             </a:fld>
             <a:endParaRPr lang="en-US"/>
           </a:p>
@@ -4141,7 +4220,148 @@
 </p:notes>
 </file>
 
-<file path=ppt/notesSlides/notesSlide11.xml><?xml version="1.0" encoding="utf-8"?>
+<file path=ppt/notesSlides/notesSlide12.xml><?xml version="1.0" encoding="utf-8"?>
+<p:notes xmlns:a="http://schemas.openxmlformats.org/drawingml/2006/main" xmlns:r="http://schemas.openxmlformats.org/officeDocument/2006/relationships" xmlns:p="http://schemas.openxmlformats.org/presentationml/2006/main">
+  <p:cSld>
+    <p:spTree>
+      <p:nvGrpSpPr>
+        <p:cNvPr id="1" name="">
+          <a:extLst>
+            <a:ext uri="{FF2B5EF4-FFF2-40B4-BE49-F238E27FC236}">
+              <a16:creationId xmlns:a16="http://schemas.microsoft.com/office/drawing/2014/main" id="{EBCBE2D2-B91E-ED24-3431-74ABB99CA497}"/>
+            </a:ext>
+          </a:extLst>
+        </p:cNvPr>
+        <p:cNvGrpSpPr/>
+        <p:nvPr/>
+      </p:nvGrpSpPr>
+      <p:grpSpPr>
+        <a:xfrm>
+          <a:off x="0" y="0"/>
+          <a:ext cx="0" cy="0"/>
+          <a:chOff x="0" y="0"/>
+          <a:chExt cx="0" cy="0"/>
+        </a:xfrm>
+      </p:grpSpPr>
+      <p:sp>
+        <p:nvSpPr>
+          <p:cNvPr id="2" name="Slide Image Placeholder 1">
+            <a:extLst>
+              <a:ext uri="{FF2B5EF4-FFF2-40B4-BE49-F238E27FC236}">
+                <a16:creationId xmlns:a16="http://schemas.microsoft.com/office/drawing/2014/main" id="{2E4716A8-CAA9-9575-5A22-650474490BC1}"/>
+              </a:ext>
+            </a:extLst>
+          </p:cNvPr>
+          <p:cNvSpPr>
+            <a:spLocks noGrp="1" noRot="1" noChangeAspect="1"/>
+          </p:cNvSpPr>
+          <p:nvPr>
+            <p:ph type="sldImg"/>
+          </p:nvPr>
+        </p:nvSpPr>
+        <p:spPr/>
+      </p:sp>
+      <p:sp>
+        <p:nvSpPr>
+          <p:cNvPr id="3" name="Notes Placeholder 2">
+            <a:extLst>
+              <a:ext uri="{FF2B5EF4-FFF2-40B4-BE49-F238E27FC236}">
+                <a16:creationId xmlns:a16="http://schemas.microsoft.com/office/drawing/2014/main" id="{421244D3-BD81-BDCA-0720-0D4D20CEBB33}"/>
+              </a:ext>
+            </a:extLst>
+          </p:cNvPr>
+          <p:cNvSpPr>
+            <a:spLocks noGrp="1"/>
+          </p:cNvSpPr>
+          <p:nvPr>
+            <p:ph type="body" idx="1"/>
+          </p:nvPr>
+        </p:nvSpPr>
+        <p:spPr/>
+        <p:txBody>
+          <a:bodyPr/>
+          <a:lstStyle/>
+          <a:p>
+            <a:r>
+              <a:rPr lang="en-US" dirty="0"/>
+              <a:t>The process of VSD includes three kinds of investigations:</a:t>
+            </a:r>
+          </a:p>
+          <a:p>
+            <a:pPr marL="171450" indent="-171450">
+              <a:buFontTx/>
+              <a:buChar char="-"/>
+            </a:pPr>
+            <a:r>
+              <a:rPr lang="en-US" dirty="0"/>
+              <a:t>Empirical: This is about understanding how the value works in real life based on observations made in the field or from life experiences.</a:t>
+            </a:r>
+          </a:p>
+          <a:p>
+            <a:pPr marL="171450" indent="-171450">
+              <a:buFontTx/>
+              <a:buChar char="-"/>
+            </a:pPr>
+            <a:r>
+              <a:rPr lang="en-US" dirty="0"/>
+              <a:t>Value: Involves identifying stakeholders, thinking about their goals and values and then finally resolving the value tensions arising from conflicting interests of stakeholders.</a:t>
+            </a:r>
+          </a:p>
+          <a:p>
+            <a:pPr marL="171450" indent="-171450">
+              <a:buFontTx/>
+              <a:buChar char="-"/>
+            </a:pPr>
+            <a:r>
+              <a:rPr lang="en-US" dirty="0"/>
+              <a:t>Technical: The technical feasibility of implementing the solutions.</a:t>
+            </a:r>
+          </a:p>
+        </p:txBody>
+      </p:sp>
+      <p:sp>
+        <p:nvSpPr>
+          <p:cNvPr id="4" name="Slide Number Placeholder 3">
+            <a:extLst>
+              <a:ext uri="{FF2B5EF4-FFF2-40B4-BE49-F238E27FC236}">
+                <a16:creationId xmlns:a16="http://schemas.microsoft.com/office/drawing/2014/main" id="{0F361E51-9069-F754-8121-B1692D3FC712}"/>
+              </a:ext>
+            </a:extLst>
+          </p:cNvPr>
+          <p:cNvSpPr>
+            <a:spLocks noGrp="1"/>
+          </p:cNvSpPr>
+          <p:nvPr>
+            <p:ph type="sldNum" sz="quarter" idx="5"/>
+          </p:nvPr>
+        </p:nvSpPr>
+        <p:spPr/>
+        <p:txBody>
+          <a:bodyPr/>
+          <a:lstStyle/>
+          <a:p>
+            <a:fld id="{07937F07-1250-4CCE-B198-1B2887014F41}" type="slidenum">
+              <a:rPr lang="en-US" smtClean="0"/>
+              <a:t>12</a:t>
+            </a:fld>
+            <a:endParaRPr lang="en-US"/>
+          </a:p>
+        </p:txBody>
+      </p:sp>
+    </p:spTree>
+    <p:extLst>
+      <p:ext uri="{BB962C8B-B14F-4D97-AF65-F5344CB8AC3E}">
+        <p14:creationId xmlns:p14="http://schemas.microsoft.com/office/powerpoint/2010/main" val="3854360709"/>
+      </p:ext>
+    </p:extLst>
+  </p:cSld>
+  <p:clrMapOvr>
+    <a:masterClrMapping/>
+  </p:clrMapOvr>
+</p:notes>
+</file>
+
+<file path=ppt/notesSlides/notesSlide13.xml><?xml version="1.0" encoding="utf-8"?>
 <p:notes xmlns:a="http://schemas.openxmlformats.org/drawingml/2006/main" xmlns:r="http://schemas.openxmlformats.org/officeDocument/2006/relationships" xmlns:p="http://schemas.openxmlformats.org/presentationml/2006/main">
   <p:cSld>
     <p:spTree>
@@ -4247,7 +4467,7 @@
           <a:p>
             <a:fld id="{07937F07-1250-4CCE-B198-1B2887014F41}" type="slidenum">
               <a:rPr lang="en-US" smtClean="0"/>
-              <a:t>11</a:t>
+              <a:t>13</a:t>
             </a:fld>
             <a:endParaRPr lang="en-US"/>
           </a:p>
@@ -4266,7 +4486,7 @@
 </p:notes>
 </file>
 
-<file path=ppt/notesSlides/notesSlide12.xml><?xml version="1.0" encoding="utf-8"?>
+<file path=ppt/notesSlides/notesSlide14.xml><?xml version="1.0" encoding="utf-8"?>
 <p:notes xmlns:a="http://schemas.openxmlformats.org/drawingml/2006/main" xmlns:r="http://schemas.openxmlformats.org/officeDocument/2006/relationships" xmlns:p="http://schemas.openxmlformats.org/presentationml/2006/main">
   <p:cSld>
     <p:spTree>
@@ -4330,7 +4550,7 @@
           <a:p>
             <a:r>
               <a:rPr lang="en-US" dirty="0"/>
-              <a:t>You’re not going to be experts on requirements analysis after this lecture — any form of </a:t>
+              <a:t>You’re not going to be experts on requirements analysis after this lecture, or on Value-Sensitive Design. Any form of </a:t>
             </a:r>
             <a:r>
               <a:rPr lang="en-US" i="1" dirty="0">
@@ -4378,7 +4598,15 @@
             </a:r>
             <a:r>
               <a:rPr lang="en-US" dirty="0"/>
-              <a:t>-Driven Design for almost any value of x and using it to organize and prioritize your user stories, or partnering with people that have more than a 30-minute lecture’s worth of experience in the idea, is something you should take seriously.</a:t>
+              <a:t>-Driven Design for almost any value of x and using it to organize and prioritize your user stories, or </a:t>
+            </a:r>
+            <a:r>
+              <a:rPr lang="en-US" i="1" dirty="0"/>
+              <a:t>partnering with people that have more than a 30-minute lecture’s worth of experience in the idea</a:t>
+            </a:r>
+            <a:r>
+              <a:rPr lang="en-US" dirty="0"/>
+              <a:t>, is something you should take seriously.</a:t>
             </a:r>
           </a:p>
         </p:txBody>
@@ -4406,7 +4634,7 @@
           <a:p>
             <a:fld id="{07937F07-1250-4CCE-B198-1B2887014F41}" type="slidenum">
               <a:rPr lang="en-US" smtClean="0"/>
-              <a:t>12</a:t>
+              <a:t>14</a:t>
             </a:fld>
             <a:endParaRPr lang="en-US"/>
           </a:p>
@@ -4953,7 +5181,7 @@
           <a:p>
             <a:r>
               <a:rPr lang="en-US" dirty="0"/>
-              <a:t>The overall question for Requirements Analysis is making sure that we are building the right thing. </a:t>
+              <a:t>Remember: the overall question for Requirements Analysis is making sure that we are building the right thing. </a:t>
             </a:r>
           </a:p>
           <a:p>
@@ -5699,7 +5927,7 @@
           <a:p>
             <a:fld id="{5D2A64DE-480B-420F-9649-4F8E696E08E0}" type="datetime1">
               <a:rPr lang="en-US" smtClean="0"/>
-              <a:t>12/29/25</a:t>
+              <a:t>12/30/25</a:t>
             </a:fld>
             <a:endParaRPr lang="en-US"/>
           </a:p>
@@ -6023,7 +6251,7 @@
           <a:p>
             <a:fld id="{EA476A42-A091-4468-A075-64A31BE59948}" type="datetime1">
               <a:rPr lang="en-US" smtClean="0"/>
-              <a:t>12/29/25</a:t>
+              <a:t>12/30/25</a:t>
             </a:fld>
             <a:endParaRPr lang="en-US"/>
           </a:p>
@@ -6221,7 +6449,7 @@
           <a:p>
             <a:fld id="{0D3616D0-8311-4107-9726-6B805E7D05BA}" type="datetime1">
               <a:rPr lang="en-US" smtClean="0"/>
-              <a:t>12/29/25</a:t>
+              <a:t>12/30/25</a:t>
             </a:fld>
             <a:endParaRPr lang="en-US"/>
           </a:p>
@@ -6429,7 +6657,7 @@
           <a:p>
             <a:fld id="{3BC2557A-5C88-417A-A763-5AC779462A5F}" type="datetime1">
               <a:rPr lang="en-US" smtClean="0"/>
-              <a:t>12/29/25</a:t>
+              <a:t>12/30/25</a:t>
             </a:fld>
             <a:endParaRPr lang="en-US"/>
           </a:p>
@@ -6851,7 +7079,7 @@
           <a:p>
             <a:fld id="{07C7BFD4-467E-4EDE-93EA-052F5B39A4E5}" type="datetime1">
               <a:rPr lang="en-US" smtClean="0"/>
-              <a:t>12/29/25</a:t>
+              <a:t>12/30/25</a:t>
             </a:fld>
             <a:endParaRPr lang="en-US"/>
           </a:p>
@@ -7101,7 +7329,7 @@
           <a:p>
             <a:fld id="{07C7BFD4-467E-4EDE-93EA-052F5B39A4E5}" type="datetime1">
               <a:rPr lang="en-US" smtClean="0"/>
-              <a:t>12/29/25</a:t>
+              <a:t>12/30/25</a:t>
             </a:fld>
             <a:endParaRPr lang="en-US"/>
           </a:p>
@@ -7283,7 +7511,7 @@
           <a:p>
             <a:fld id="{109E55A0-C911-4F03-82FC-7E5926047D46}" type="datetime1">
               <a:rPr lang="en-US" smtClean="0"/>
-              <a:t>12/29/25</a:t>
+              <a:t>12/30/25</a:t>
             </a:fld>
             <a:endParaRPr lang="en-US"/>
           </a:p>
@@ -7596,7 +7824,7 @@
           <a:p>
             <a:fld id="{A533CBE2-D5BE-47AC-ADC2-9CDFC1D0CF90}" type="datetime1">
               <a:rPr lang="en-US" smtClean="0"/>
-              <a:t>12/29/25</a:t>
+              <a:t>12/30/25</a:t>
             </a:fld>
             <a:endParaRPr lang="en-US"/>
           </a:p>
@@ -7897,7 +8125,7 @@
           <a:p>
             <a:fld id="{39B7EDB1-CE74-4951-85A2-0B01C2128E28}" type="datetime1">
               <a:rPr lang="en-US" smtClean="0"/>
-              <a:t>12/29/25</a:t>
+              <a:t>12/30/25</a:t>
             </a:fld>
             <a:endParaRPr lang="en-US"/>
           </a:p>
@@ -8345,7 +8573,7 @@
           <a:p>
             <a:fld id="{2BC7EB92-A5C2-4807-A9DC-9EDE6CBFB241}" type="datetime1">
               <a:rPr lang="en-US" smtClean="0"/>
-              <a:t>12/29/25</a:t>
+              <a:t>12/30/25</a:t>
             </a:fld>
             <a:endParaRPr lang="en-US"/>
           </a:p>
@@ -8458,7 +8686,7 @@
           <a:p>
             <a:fld id="{2B7B7EE0-7771-4CD5-9B2B-3550753A54A1}" type="datetime1">
               <a:rPr lang="en-US" smtClean="0"/>
-              <a:t>12/29/25</a:t>
+              <a:t>12/30/25</a:t>
             </a:fld>
             <a:endParaRPr lang="en-US"/>
           </a:p>
@@ -8769,7 +8997,7 @@
           <a:p>
             <a:fld id="{F8B318B3-0E87-4416-A9B8-D891968C2727}" type="datetime1">
               <a:rPr lang="en-US" smtClean="0"/>
-              <a:t>12/29/25</a:t>
+              <a:t>12/30/25</a:t>
             </a:fld>
             <a:endParaRPr lang="en-US"/>
           </a:p>
@@ -9010,7 +9238,7 @@
           <a:p>
             <a:fld id="{54D997E8-DDEE-43F1-8D9B-F8A1E11DE488}" type="datetime1">
               <a:rPr lang="en-US" smtClean="0"/>
-              <a:t>12/29/25</a:t>
+              <a:t>12/30/25</a:t>
             </a:fld>
             <a:endParaRPr lang="en-US"/>
           </a:p>
@@ -9687,6 +9915,410 @@
         <p:cNvPr id="1" name="">
           <a:extLst>
             <a:ext uri="{FF2B5EF4-FFF2-40B4-BE49-F238E27FC236}">
+              <a16:creationId xmlns:a16="http://schemas.microsoft.com/office/drawing/2014/main" id="{7C850B7A-CE43-9E2E-51B8-3E37D4B92731}"/>
+            </a:ext>
+          </a:extLst>
+        </p:cNvPr>
+        <p:cNvGrpSpPr/>
+        <p:nvPr/>
+      </p:nvGrpSpPr>
+      <p:grpSpPr>
+        <a:xfrm>
+          <a:off x="0" y="0"/>
+          <a:ext cx="0" cy="0"/>
+          <a:chOff x="0" y="0"/>
+          <a:chExt cx="0" cy="0"/>
+        </a:xfrm>
+      </p:grpSpPr>
+      <p:sp>
+        <p:nvSpPr>
+          <p:cNvPr id="2" name="Title 1">
+            <a:extLst>
+              <a:ext uri="{FF2B5EF4-FFF2-40B4-BE49-F238E27FC236}">
+                <a16:creationId xmlns:a16="http://schemas.microsoft.com/office/drawing/2014/main" id="{F983B157-62A4-F48F-7780-2073E1B3B5A3}"/>
+              </a:ext>
+            </a:extLst>
+          </p:cNvPr>
+          <p:cNvSpPr>
+            <a:spLocks noGrp="1"/>
+          </p:cNvSpPr>
+          <p:nvPr>
+            <p:ph type="title"/>
+          </p:nvPr>
+        </p:nvSpPr>
+        <p:spPr/>
+        <p:txBody>
+          <a:bodyPr>
+            <a:normAutofit/>
+          </a:bodyPr>
+          <a:lstStyle/>
+          <a:p>
+            <a:r>
+              <a:rPr lang="en-US" dirty="0"/>
+              <a:t>Requirements gathering frameworks inform the structure and priority of user stories</a:t>
+            </a:r>
+          </a:p>
+        </p:txBody>
+      </p:sp>
+      <p:sp>
+        <p:nvSpPr>
+          <p:cNvPr id="3" name="Content Placeholder 2">
+            <a:extLst>
+              <a:ext uri="{FF2B5EF4-FFF2-40B4-BE49-F238E27FC236}">
+                <a16:creationId xmlns:a16="http://schemas.microsoft.com/office/drawing/2014/main" id="{CD34E7E6-FEBA-DFB9-9FFD-DEA1E020E5C7}"/>
+              </a:ext>
+            </a:extLst>
+          </p:cNvPr>
+          <p:cNvSpPr>
+            <a:spLocks noGrp="1"/>
+          </p:cNvSpPr>
+          <p:nvPr>
+            <p:ph idx="1"/>
+          </p:nvPr>
+        </p:nvSpPr>
+        <p:spPr>
+          <a:xfrm>
+            <a:off x="838200" y="1500160"/>
+            <a:ext cx="10400414" cy="4856190"/>
+          </a:xfrm>
+        </p:spPr>
+        <p:txBody>
+          <a:bodyPr>
+            <a:normAutofit/>
+          </a:bodyPr>
+          <a:lstStyle/>
+          <a:p>
+            <a:r>
+              <a:rPr lang="en-US" dirty="0"/>
+              <a:t>The last lecture covered </a:t>
+            </a:r>
+            <a:r>
+              <a:rPr lang="en-US" b="1" dirty="0"/>
+              <a:t>prioritizing</a:t>
+            </a:r>
+            <a:r>
+              <a:rPr lang="en-US" dirty="0"/>
+              <a:t> </a:t>
+            </a:r>
+            <a:r>
+              <a:rPr lang="en-US" b="1" dirty="0"/>
+              <a:t>conditions of satisfaction </a:t>
+            </a:r>
+            <a:r>
+              <a:rPr lang="en-US" dirty="0"/>
+              <a:t>within a user story. This is a complex </a:t>
+            </a:r>
+            <a:r>
+              <a:rPr lang="en-US" i="1" dirty="0"/>
+              <a:t>organization</a:t>
+            </a:r>
+            <a:r>
+              <a:rPr lang="en-US" dirty="0"/>
+              <a:t> activity that requires negotiation</a:t>
+            </a:r>
+          </a:p>
+          <a:p>
+            <a:r>
+              <a:rPr lang="en-US" dirty="0"/>
+              <a:t>Now we’re talking about </a:t>
+            </a:r>
+            <a:r>
+              <a:rPr lang="en-US" b="1" dirty="0"/>
+              <a:t>prioritizing user stories</a:t>
+            </a:r>
+            <a:r>
+              <a:rPr lang="en-US" dirty="0"/>
+              <a:t>. This is a complex </a:t>
+            </a:r>
+            <a:r>
+              <a:rPr lang="en-US" i="1" dirty="0"/>
+              <a:t>planning activity </a:t>
+            </a:r>
+            <a:r>
+              <a:rPr lang="en-US" dirty="0"/>
+              <a:t>that is constrained by resources (budget, time, personnel) and multiple (competing or incompatible) ideas about what’s important</a:t>
+            </a:r>
+          </a:p>
+        </p:txBody>
+      </p:sp>
+      <p:sp>
+        <p:nvSpPr>
+          <p:cNvPr id="4" name="Slide Number Placeholder 3">
+            <a:extLst>
+              <a:ext uri="{FF2B5EF4-FFF2-40B4-BE49-F238E27FC236}">
+                <a16:creationId xmlns:a16="http://schemas.microsoft.com/office/drawing/2014/main" id="{1008C1D7-917A-DEE4-D430-774352B3D686}"/>
+              </a:ext>
+            </a:extLst>
+          </p:cNvPr>
+          <p:cNvSpPr>
+            <a:spLocks noGrp="1"/>
+          </p:cNvSpPr>
+          <p:nvPr>
+            <p:ph type="sldNum" sz="quarter" idx="12"/>
+          </p:nvPr>
+        </p:nvSpPr>
+        <p:spPr/>
+        <p:txBody>
+          <a:bodyPr/>
+          <a:lstStyle/>
+          <a:p>
+            <a:fld id="{20F37917-FD3A-4669-9018-DA04BCDD3D75}" type="slidenum">
+              <a:rPr lang="en-US" smtClean="0"/>
+              <a:t>10</a:t>
+            </a:fld>
+            <a:endParaRPr lang="en-US"/>
+          </a:p>
+        </p:txBody>
+      </p:sp>
+      <p:sp>
+        <p:nvSpPr>
+          <p:cNvPr id="6" name="Rectangle: Diagonal Corners Rounded 6">
+            <a:extLst>
+              <a:ext uri="{FF2B5EF4-FFF2-40B4-BE49-F238E27FC236}">
+                <a16:creationId xmlns:a16="http://schemas.microsoft.com/office/drawing/2014/main" id="{16E2E723-CBE2-3ABA-08DC-1DB07A9DAD23}"/>
+              </a:ext>
+            </a:extLst>
+          </p:cNvPr>
+          <p:cNvSpPr/>
+          <p:nvPr/>
+        </p:nvSpPr>
+        <p:spPr>
+          <a:xfrm>
+            <a:off x="11091395" y="1652424"/>
+            <a:ext cx="974268" cy="974268"/>
+          </a:xfrm>
+          <a:prstGeom prst="round2DiagRect">
+            <a:avLst>
+              <a:gd name="adj1" fmla="val 29727"/>
+              <a:gd name="adj2" fmla="val 0"/>
+            </a:avLst>
+          </a:prstGeom>
+          <a:solidFill>
+            <a:srgbClr val="00B0F0"/>
+          </a:solidFill>
+        </p:spPr>
+        <p:style>
+          <a:lnRef idx="0">
+            <a:schemeClr val="lt1">
+              <a:alpha val="0"/>
+              <a:hueOff val="0"/>
+              <a:satOff val="0"/>
+              <a:lumOff val="0"/>
+              <a:alphaOff val="0"/>
+            </a:schemeClr>
+          </a:lnRef>
+          <a:fillRef idx="1">
+            <a:schemeClr val="accent2">
+              <a:hueOff val="0"/>
+              <a:satOff val="0"/>
+              <a:lumOff val="0"/>
+              <a:alphaOff val="0"/>
+            </a:schemeClr>
+          </a:fillRef>
+          <a:effectRef idx="0">
+            <a:schemeClr val="accent2">
+              <a:hueOff val="0"/>
+              <a:satOff val="0"/>
+              <a:lumOff val="0"/>
+              <a:alphaOff val="0"/>
+            </a:schemeClr>
+          </a:effectRef>
+          <a:fontRef idx="minor"/>
+        </p:style>
+        <p:txBody>
+          <a:bodyPr/>
+          <a:lstStyle/>
+          <a:p>
+            <a:endParaRPr lang="en-US"/>
+          </a:p>
+        </p:txBody>
+      </p:sp>
+      <p:pic>
+        <p:nvPicPr>
+          <p:cNvPr id="7" name="Graphic 6" descr="Flowchart with solid fill">
+            <a:extLst>
+              <a:ext uri="{FF2B5EF4-FFF2-40B4-BE49-F238E27FC236}">
+                <a16:creationId xmlns:a16="http://schemas.microsoft.com/office/drawing/2014/main" id="{0A33F4F3-52C6-7727-CF33-A622136189A7}"/>
+              </a:ext>
+            </a:extLst>
+          </p:cNvPr>
+          <p:cNvPicPr>
+            <a:picLocks noChangeAspect="1"/>
+          </p:cNvPicPr>
+          <p:nvPr/>
+        </p:nvPicPr>
+        <p:blipFill>
+          <a:blip r:embed="rId3">
+            <a:extLst>
+              <a:ext uri="{96DAC541-7B7A-43D3-8B79-37D633B846F1}">
+                <asvg:svgBlip xmlns:asvg="http://schemas.microsoft.com/office/drawing/2016/SVG/main" r:embed="rId4"/>
+              </a:ext>
+            </a:extLst>
+          </a:blip>
+          <a:stretch>
+            <a:fillRect/>
+          </a:stretch>
+        </p:blipFill>
+        <p:spPr>
+          <a:xfrm>
+            <a:off x="11127193" y="1682357"/>
+            <a:ext cx="914400" cy="914400"/>
+          </a:xfrm>
+          <a:prstGeom prst="rect">
+            <a:avLst/>
+          </a:prstGeom>
+        </p:spPr>
+      </p:pic>
+      <p:sp>
+        <p:nvSpPr>
+          <p:cNvPr id="8" name="Rectangle: Diagonal Corners Rounded 13">
+            <a:extLst>
+              <a:ext uri="{FF2B5EF4-FFF2-40B4-BE49-F238E27FC236}">
+                <a16:creationId xmlns:a16="http://schemas.microsoft.com/office/drawing/2014/main" id="{250D5917-4CC8-A7A8-E776-0DAC0D21D969}"/>
+              </a:ext>
+            </a:extLst>
+          </p:cNvPr>
+          <p:cNvSpPr/>
+          <p:nvPr/>
+        </p:nvSpPr>
+        <p:spPr>
+          <a:xfrm>
+            <a:off x="11091395" y="3098470"/>
+            <a:ext cx="974267" cy="974267"/>
+          </a:xfrm>
+          <a:prstGeom prst="round2DiagRect">
+            <a:avLst>
+              <a:gd name="adj1" fmla="val 29727"/>
+              <a:gd name="adj2" fmla="val 0"/>
+            </a:avLst>
+          </a:prstGeom>
+          <a:solidFill>
+            <a:srgbClr val="0070C0"/>
+          </a:solidFill>
+        </p:spPr>
+        <p:style>
+          <a:lnRef idx="0">
+            <a:schemeClr val="lt1">
+              <a:alpha val="0"/>
+              <a:hueOff val="0"/>
+              <a:satOff val="0"/>
+              <a:lumOff val="0"/>
+              <a:alphaOff val="0"/>
+            </a:schemeClr>
+          </a:lnRef>
+          <a:fillRef idx="1">
+            <a:schemeClr val="accent4">
+              <a:hueOff val="0"/>
+              <a:satOff val="0"/>
+              <a:lumOff val="0"/>
+              <a:alphaOff val="0"/>
+            </a:schemeClr>
+          </a:fillRef>
+          <a:effectRef idx="0">
+            <a:schemeClr val="accent4">
+              <a:hueOff val="0"/>
+              <a:satOff val="0"/>
+              <a:lumOff val="0"/>
+              <a:alphaOff val="0"/>
+            </a:schemeClr>
+          </a:effectRef>
+          <a:fontRef idx="minor"/>
+        </p:style>
+        <p:txBody>
+          <a:bodyPr/>
+          <a:lstStyle/>
+          <a:p>
+            <a:pPr marL="0" marR="0" lvl="0" indent="0" algn="l" defTabSz="914400" rtl="0" eaLnBrk="1" fontAlgn="auto" latinLnBrk="0" hangingPunct="1">
+              <a:lnSpc>
+                <a:spcPct val="100000"/>
+              </a:lnSpc>
+              <a:spcBef>
+                <a:spcPts val="0"/>
+              </a:spcBef>
+              <a:spcAft>
+                <a:spcPts val="0"/>
+              </a:spcAft>
+              <a:buClrTx/>
+              <a:buSzTx/>
+              <a:buFontTx/>
+              <a:buNone/>
+              <a:tabLst/>
+              <a:defRPr/>
+            </a:pPr>
+            <a:endParaRPr kumimoji="0" lang="en-US" sz="1800" b="0" i="0" u="none" strike="noStrike" kern="1200" cap="none" spc="0" normalizeH="0" baseline="0" noProof="0">
+              <a:ln>
+                <a:noFill/>
+              </a:ln>
+              <a:solidFill>
+                <a:prstClr val="black"/>
+              </a:solidFill>
+              <a:effectLst/>
+              <a:uLnTx/>
+              <a:uFillTx/>
+              <a:latin typeface="Calibri" panose="020F0502020204030204"/>
+              <a:ea typeface="+mn-ea"/>
+              <a:cs typeface="+mn-cs"/>
+            </a:endParaRPr>
+          </a:p>
+        </p:txBody>
+      </p:sp>
+      <p:pic>
+        <p:nvPicPr>
+          <p:cNvPr id="10" name="Graphic 9" descr="Thought bubble with solid fill">
+            <a:extLst>
+              <a:ext uri="{FF2B5EF4-FFF2-40B4-BE49-F238E27FC236}">
+                <a16:creationId xmlns:a16="http://schemas.microsoft.com/office/drawing/2014/main" id="{F42536EC-D7D7-285F-5F03-C7155E4F514E}"/>
+              </a:ext>
+            </a:extLst>
+          </p:cNvPr>
+          <p:cNvPicPr>
+            <a:picLocks noChangeAspect="1"/>
+          </p:cNvPicPr>
+          <p:nvPr/>
+        </p:nvPicPr>
+        <p:blipFill>
+          <a:blip r:embed="rId5">
+            <a:extLst>
+              <a:ext uri="{96DAC541-7B7A-43D3-8B79-37D633B846F1}">
+                <asvg:svgBlip xmlns:asvg="http://schemas.microsoft.com/office/drawing/2016/SVG/main" r:embed="rId6"/>
+              </a:ext>
+            </a:extLst>
+          </a:blip>
+          <a:stretch>
+            <a:fillRect/>
+          </a:stretch>
+        </p:blipFill>
+        <p:spPr>
+          <a:xfrm>
+            <a:off x="11159744" y="3166821"/>
+            <a:ext cx="837566" cy="837566"/>
+          </a:xfrm>
+          <a:prstGeom prst="rect">
+            <a:avLst/>
+          </a:prstGeom>
+        </p:spPr>
+      </p:pic>
+    </p:spTree>
+    <p:extLst>
+      <p:ext uri="{BB962C8B-B14F-4D97-AF65-F5344CB8AC3E}">
+        <p14:creationId xmlns:p14="http://schemas.microsoft.com/office/powerpoint/2010/main" val="879172066"/>
+      </p:ext>
+    </p:extLst>
+  </p:cSld>
+  <p:clrMapOvr>
+    <a:masterClrMapping/>
+  </p:clrMapOvr>
+</p:sld>
+</file>
+
+<file path=ppt/slides/slide11.xml><?xml version="1.0" encoding="utf-8"?>
+<p:sld xmlns:a="http://schemas.openxmlformats.org/drawingml/2006/main" xmlns:r="http://schemas.openxmlformats.org/officeDocument/2006/relationships" xmlns:p="http://schemas.openxmlformats.org/presentationml/2006/main">
+  <p:cSld>
+    <p:spTree>
+      <p:nvGrpSpPr>
+        <p:cNvPr id="1" name="">
+          <a:extLst>
+            <a:ext uri="{FF2B5EF4-FFF2-40B4-BE49-F238E27FC236}">
               <a16:creationId xmlns:a16="http://schemas.microsoft.com/office/drawing/2014/main" id="{57153868-E65A-896C-92FE-904117C9599C}"/>
             </a:ext>
           </a:extLst>
@@ -9727,7 +10359,14 @@
           <a:p>
             <a:r>
               <a:rPr lang="en-US" dirty="0"/>
-              <a:t>Requirements gathering frameworks inform the structure and priority of user stories</a:t>
+              <a:t>“Building the Right Thing”</a:t>
+            </a:r>
+            <a:br>
+              <a:rPr lang="en-US" dirty="0"/>
+            </a:br>
+            <a:r>
+              <a:rPr lang="en-US" dirty="0"/>
+              <a:t>Necessarily Involves Value Judgments</a:t>
             </a:r>
           </a:p>
         </p:txBody>
@@ -9762,71 +10401,31 @@
           <a:p>
             <a:r>
               <a:rPr lang="en-US" dirty="0"/>
-              <a:t>Value Sensitive Design (VSD) is one framework (of many!)</a:t>
+              <a:t>Right for whom?</a:t>
             </a:r>
           </a:p>
           <a:p>
             <a:r>
               <a:rPr lang="en-US" dirty="0"/>
-              <a:t>VSD guides designers and engineers to pay special attention to </a:t>
-            </a:r>
-            <a:r>
-              <a:rPr lang="en-US" b="1" dirty="0"/>
-              <a:t>stakeholders</a:t>
-            </a:r>
+              <a:t>Who benefits?</a:t>
+            </a:r>
+          </a:p>
+          <a:p>
             <a:r>
               <a:rPr lang="en-US" dirty="0"/>
-              <a:t> and </a:t>
-            </a:r>
-            <a:r>
-              <a:rPr lang="en-US" b="1" dirty="0"/>
-              <a:t>human values </a:t>
-            </a:r>
+              <a:t>Limitations of budget/time/personnel</a:t>
+            </a:r>
+          </a:p>
+          <a:p>
             <a:r>
               <a:rPr lang="en-US" dirty="0"/>
-              <a:t>when writing and prioritizing user stories</a:t>
+              <a:t>Competing/incompatible ideas about what's important</a:t>
             </a:r>
           </a:p>
           <a:p>
             <a:r>
               <a:rPr lang="en-US" dirty="0"/>
-              <a:t>Combines </a:t>
-            </a:r>
-            <a:r>
-              <a:rPr lang="en-US" b="1" dirty="0">
-                <a:solidFill>
-                  <a:srgbClr val="FF0000"/>
-                </a:solidFill>
-              </a:rPr>
-              <a:t>empirical</a:t>
-            </a:r>
-            <a:r>
-              <a:rPr lang="en-US" dirty="0"/>
-              <a:t>, </a:t>
-            </a:r>
-            <a:r>
-              <a:rPr lang="en-US" b="1" dirty="0">
-                <a:solidFill>
-                  <a:srgbClr val="FF0000"/>
-                </a:solidFill>
-              </a:rPr>
-              <a:t>value</a:t>
-            </a:r>
-            <a:r>
-              <a:rPr lang="en-US" dirty="0"/>
-              <a:t>, and </a:t>
-            </a:r>
-            <a:r>
-              <a:rPr lang="en-US" b="1" dirty="0">
-                <a:solidFill>
-                  <a:srgbClr val="FF0000"/>
-                </a:solidFill>
-              </a:rPr>
-              <a:t>technical</a:t>
-            </a:r>
-            <a:r>
-              <a:rPr lang="en-US" dirty="0"/>
-              <a:t> </a:t>
+              <a:t>Competing/incompatible sets of COSs</a:t>
             </a:r>
           </a:p>
         </p:txBody>
@@ -9854,7 +10453,7 @@
           <a:p>
             <a:fld id="{20F37917-FD3A-4669-9018-DA04BCDD3D75}" type="slidenum">
               <a:rPr lang="en-US" smtClean="0"/>
-              <a:t>10</a:t>
+              <a:t>11</a:t>
             </a:fld>
             <a:endParaRPr lang="en-US"/>
           </a:p>
@@ -9873,7 +10472,201 @@
 </p:sld>
 </file>
 
-<file path=ppt/slides/slide11.xml><?xml version="1.0" encoding="utf-8"?>
+<file path=ppt/slides/slide12.xml><?xml version="1.0" encoding="utf-8"?>
+<p:sld xmlns:a="http://schemas.openxmlformats.org/drawingml/2006/main" xmlns:r="http://schemas.openxmlformats.org/officeDocument/2006/relationships" xmlns:p="http://schemas.openxmlformats.org/presentationml/2006/main">
+  <p:cSld>
+    <p:spTree>
+      <p:nvGrpSpPr>
+        <p:cNvPr id="1" name="">
+          <a:extLst>
+            <a:ext uri="{FF2B5EF4-FFF2-40B4-BE49-F238E27FC236}">
+              <a16:creationId xmlns:a16="http://schemas.microsoft.com/office/drawing/2014/main" id="{57153868-E65A-896C-92FE-904117C9599C}"/>
+            </a:ext>
+          </a:extLst>
+        </p:cNvPr>
+        <p:cNvGrpSpPr/>
+        <p:nvPr/>
+      </p:nvGrpSpPr>
+      <p:grpSpPr>
+        <a:xfrm>
+          <a:off x="0" y="0"/>
+          <a:ext cx="0" cy="0"/>
+          <a:chOff x="0" y="0"/>
+          <a:chExt cx="0" cy="0"/>
+        </a:xfrm>
+      </p:grpSpPr>
+      <p:sp>
+        <p:nvSpPr>
+          <p:cNvPr id="2" name="Title 1">
+            <a:extLst>
+              <a:ext uri="{FF2B5EF4-FFF2-40B4-BE49-F238E27FC236}">
+                <a16:creationId xmlns:a16="http://schemas.microsoft.com/office/drawing/2014/main" id="{9A59BF54-4996-E976-7162-5E8AE026EE81}"/>
+              </a:ext>
+            </a:extLst>
+          </p:cNvPr>
+          <p:cNvSpPr>
+            <a:spLocks noGrp="1"/>
+          </p:cNvSpPr>
+          <p:nvPr>
+            <p:ph type="title"/>
+          </p:nvPr>
+        </p:nvSpPr>
+        <p:spPr/>
+        <p:txBody>
+          <a:bodyPr>
+            <a:normAutofit/>
+          </a:bodyPr>
+          <a:lstStyle/>
+          <a:p>
+            <a:r>
+              <a:rPr lang="en-US" dirty="0"/>
+              <a:t>Requirements gathering frameworks inform the structure and priority of user stories</a:t>
+            </a:r>
+          </a:p>
+        </p:txBody>
+      </p:sp>
+      <p:sp>
+        <p:nvSpPr>
+          <p:cNvPr id="3" name="Content Placeholder 2">
+            <a:extLst>
+              <a:ext uri="{FF2B5EF4-FFF2-40B4-BE49-F238E27FC236}">
+                <a16:creationId xmlns:a16="http://schemas.microsoft.com/office/drawing/2014/main" id="{883C0B57-32A1-020D-7BDF-BC12E409F16D}"/>
+              </a:ext>
+            </a:extLst>
+          </p:cNvPr>
+          <p:cNvSpPr>
+            <a:spLocks noGrp="1"/>
+          </p:cNvSpPr>
+          <p:nvPr>
+            <p:ph idx="1"/>
+          </p:nvPr>
+        </p:nvSpPr>
+        <p:spPr>
+          <a:xfrm>
+            <a:off x="838200" y="1500160"/>
+            <a:ext cx="10400414" cy="4856190"/>
+          </a:xfrm>
+        </p:spPr>
+        <p:txBody>
+          <a:bodyPr>
+            <a:normAutofit/>
+          </a:bodyPr>
+          <a:lstStyle/>
+          <a:p>
+            <a:r>
+              <a:rPr lang="en-US" dirty="0"/>
+              <a:t>Value Sensitive Design (VSD) is one framework (of many!)</a:t>
+            </a:r>
+          </a:p>
+          <a:p>
+            <a:r>
+              <a:rPr lang="en-US" dirty="0"/>
+              <a:t>VSD guides designers and engineers to pay special attention to </a:t>
+            </a:r>
+            <a:r>
+              <a:rPr lang="en-US" b="1" dirty="0"/>
+              <a:t>stakeholders</a:t>
+            </a:r>
+            <a:r>
+              <a:rPr lang="en-US" dirty="0"/>
+              <a:t> and </a:t>
+            </a:r>
+            <a:r>
+              <a:rPr lang="en-US" b="1" dirty="0"/>
+              <a:t>human values </a:t>
+            </a:r>
+            <a:r>
+              <a:rPr lang="en-US" dirty="0"/>
+              <a:t>when writing and prioritizing user stories</a:t>
+            </a:r>
+          </a:p>
+          <a:p>
+            <a:r>
+              <a:rPr lang="en-US" dirty="0"/>
+              <a:t>Combines </a:t>
+            </a:r>
+            <a:r>
+              <a:rPr lang="en-US" b="1" dirty="0">
+                <a:solidFill>
+                  <a:srgbClr val="FF0000"/>
+                </a:solidFill>
+              </a:rPr>
+              <a:t>empirical</a:t>
+            </a:r>
+            <a:r>
+              <a:rPr lang="en-US" dirty="0"/>
+              <a:t>, </a:t>
+            </a:r>
+            <a:r>
+              <a:rPr lang="en-US" b="1" dirty="0">
+                <a:solidFill>
+                  <a:srgbClr val="FF0000"/>
+                </a:solidFill>
+              </a:rPr>
+              <a:t>value</a:t>
+            </a:r>
+            <a:r>
+              <a:rPr lang="en-US" dirty="0"/>
+              <a:t>, and </a:t>
+            </a:r>
+            <a:r>
+              <a:rPr lang="en-US" b="1" dirty="0">
+                <a:solidFill>
+                  <a:srgbClr val="FF0000"/>
+                </a:solidFill>
+              </a:rPr>
+              <a:t>technical</a:t>
+            </a:r>
+            <a:r>
+              <a:rPr lang="en-US" dirty="0"/>
+              <a:t> </a:t>
+            </a:r>
+          </a:p>
+        </p:txBody>
+      </p:sp>
+      <p:sp>
+        <p:nvSpPr>
+          <p:cNvPr id="4" name="Slide Number Placeholder 3">
+            <a:extLst>
+              <a:ext uri="{FF2B5EF4-FFF2-40B4-BE49-F238E27FC236}">
+                <a16:creationId xmlns:a16="http://schemas.microsoft.com/office/drawing/2014/main" id="{2AB92C93-4088-A5CF-84EB-E05A618D8893}"/>
+              </a:ext>
+            </a:extLst>
+          </p:cNvPr>
+          <p:cNvSpPr>
+            <a:spLocks noGrp="1"/>
+          </p:cNvSpPr>
+          <p:nvPr>
+            <p:ph type="sldNum" sz="quarter" idx="12"/>
+          </p:nvPr>
+        </p:nvSpPr>
+        <p:spPr/>
+        <p:txBody>
+          <a:bodyPr/>
+          <a:lstStyle/>
+          <a:p>
+            <a:fld id="{20F37917-FD3A-4669-9018-DA04BCDD3D75}" type="slidenum">
+              <a:rPr lang="en-US" smtClean="0"/>
+              <a:t>12</a:t>
+            </a:fld>
+            <a:endParaRPr lang="en-US"/>
+          </a:p>
+        </p:txBody>
+      </p:sp>
+    </p:spTree>
+    <p:extLst>
+      <p:ext uri="{BB962C8B-B14F-4D97-AF65-F5344CB8AC3E}">
+        <p14:creationId xmlns:p14="http://schemas.microsoft.com/office/powerpoint/2010/main" val="90335422"/>
+      </p:ext>
+    </p:extLst>
+  </p:cSld>
+  <p:clrMapOvr>
+    <a:masterClrMapping/>
+  </p:clrMapOvr>
+</p:sld>
+</file>
+
+<file path=ppt/slides/slide13.xml><?xml version="1.0" encoding="utf-8"?>
 <p:sld xmlns:a="http://schemas.openxmlformats.org/drawingml/2006/main" xmlns:r="http://schemas.openxmlformats.org/officeDocument/2006/relationships" xmlns:p="http://schemas.openxmlformats.org/presentationml/2006/main">
   <p:cSld>
     <p:spTree>
@@ -10064,7 +10857,7 @@
           <a:p>
             <a:fld id="{20F37917-FD3A-4669-9018-DA04BCDD3D75}" type="slidenum">
               <a:rPr lang="en-US" smtClean="0"/>
-              <a:t>11</a:t>
+              <a:t>13</a:t>
             </a:fld>
             <a:endParaRPr lang="en-US"/>
           </a:p>
@@ -10632,7 +11425,7 @@
 </p:sld>
 </file>
 
-<file path=ppt/slides/slide12.xml><?xml version="1.0" encoding="utf-8"?>
+<file path=ppt/slides/slide14.xml><?xml version="1.0" encoding="utf-8"?>
 <p:sld xmlns:a="http://schemas.openxmlformats.org/drawingml/2006/main" xmlns:r="http://schemas.openxmlformats.org/officeDocument/2006/relationships" xmlns:p="http://schemas.openxmlformats.org/presentationml/2006/main">
   <p:cSld>
     <p:spTree>
@@ -10773,7 +11566,7 @@
           <a:p>
             <a:fld id="{20F37917-FD3A-4669-9018-DA04BCDD3D75}" type="slidenum">
               <a:rPr lang="en-US" smtClean="0"/>
-              <a:t>12</a:t>
+              <a:t>14</a:t>
             </a:fld>
             <a:endParaRPr lang="en-US"/>
           </a:p>
@@ -10966,6 +11759,36 @@
       </p:grpSpPr>
       <p:sp>
         <p:nvSpPr>
+          <p:cNvPr id="2" name="Title 1">
+            <a:extLst>
+              <a:ext uri="{FF2B5EF4-FFF2-40B4-BE49-F238E27FC236}">
+                <a16:creationId xmlns:a16="http://schemas.microsoft.com/office/drawing/2014/main" id="{CDEF265F-50FB-BF39-3F8D-EA0187855738}"/>
+              </a:ext>
+            </a:extLst>
+          </p:cNvPr>
+          <p:cNvSpPr>
+            <a:spLocks noGrp="1"/>
+          </p:cNvSpPr>
+          <p:nvPr>
+            <p:ph type="title"/>
+          </p:nvPr>
+        </p:nvSpPr>
+        <p:spPr/>
+        <p:txBody>
+          <a:bodyPr>
+            <a:noAutofit/>
+          </a:bodyPr>
+          <a:lstStyle/>
+          <a:p>
+            <a:r>
+              <a:rPr lang="en-US" dirty="0"/>
+              <a:t>The big picture</a:t>
+            </a:r>
+          </a:p>
+        </p:txBody>
+      </p:sp>
+      <p:sp>
+        <p:nvSpPr>
           <p:cNvPr id="4" name="Slide Number Placeholder 3">
             <a:extLst>
               <a:ext uri="{FF2B5EF4-FFF2-40B4-BE49-F238E27FC236}">
@@ -10980,12 +11803,7 @@
             <p:ph type="sldNum" sz="quarter" idx="12"/>
           </p:nvPr>
         </p:nvSpPr>
-        <p:spPr>
-          <a:xfrm>
-            <a:off x="8610600" y="6356350"/>
-            <a:ext cx="2743200" cy="365125"/>
-          </a:xfrm>
-        </p:spPr>
+        <p:spPr/>
         <p:txBody>
           <a:bodyPr>
             <a:normAutofit/>
@@ -11061,41 +11879,6 @@
               <a:ea typeface="+mn-ea"/>
               <a:cs typeface="+mn-cs"/>
             </a:endParaRPr>
-          </a:p>
-        </p:txBody>
-      </p:sp>
-      <p:sp>
-        <p:nvSpPr>
-          <p:cNvPr id="2" name="Title 1">
-            <a:extLst>
-              <a:ext uri="{FF2B5EF4-FFF2-40B4-BE49-F238E27FC236}">
-                <a16:creationId xmlns:a16="http://schemas.microsoft.com/office/drawing/2014/main" id="{CDEF265F-50FB-BF39-3F8D-EA0187855738}"/>
-              </a:ext>
-            </a:extLst>
-          </p:cNvPr>
-          <p:cNvSpPr>
-            <a:spLocks noGrp="1"/>
-          </p:cNvSpPr>
-          <p:nvPr>
-            <p:ph type="title"/>
-          </p:nvPr>
-        </p:nvSpPr>
-        <p:spPr>
-          <a:xfrm>
-            <a:off x="838200" y="18255"/>
-            <a:ext cx="10515600" cy="1325563"/>
-          </a:xfrm>
-        </p:spPr>
-        <p:txBody>
-          <a:bodyPr>
-            <a:noAutofit/>
-          </a:bodyPr>
-          <a:lstStyle/>
-          <a:p>
-            <a:r>
-              <a:rPr lang="en-US" dirty="0"/>
-              <a:t>The big picture</a:t>
-            </a:r>
           </a:p>
         </p:txBody>
       </p:sp>
@@ -14214,43 +14997,6 @@
       </p:grpSpPr>
       <p:sp>
         <p:nvSpPr>
-          <p:cNvPr id="4" name="Slide Number Placeholder 3">
-            <a:extLst>
-              <a:ext uri="{FF2B5EF4-FFF2-40B4-BE49-F238E27FC236}">
-                <a16:creationId xmlns:a16="http://schemas.microsoft.com/office/drawing/2014/main" id="{BA86C973-41AD-3115-8D5B-5217CFB0DD52}"/>
-              </a:ext>
-            </a:extLst>
-          </p:cNvPr>
-          <p:cNvSpPr>
-            <a:spLocks noGrp="1"/>
-          </p:cNvSpPr>
-          <p:nvPr>
-            <p:ph type="sldNum" sz="quarter" idx="12"/>
-          </p:nvPr>
-        </p:nvSpPr>
-        <p:spPr>
-          <a:xfrm>
-            <a:off x="8610600" y="6356350"/>
-            <a:ext cx="2743200" cy="365125"/>
-          </a:xfrm>
-        </p:spPr>
-        <p:txBody>
-          <a:bodyPr>
-            <a:normAutofit/>
-          </a:bodyPr>
-          <a:lstStyle/>
-          <a:p>
-            <a:fld id="{20F37917-FD3A-4669-9018-DA04BCDD3D75}" type="slidenum">
-              <a:rPr lang="en-US" smtClean="0"/>
-              <a:pPr/>
-              <a:t>4</a:t>
-            </a:fld>
-            <a:endParaRPr lang="en-US"/>
-          </a:p>
-        </p:txBody>
-      </p:sp>
-      <p:sp>
-        <p:nvSpPr>
           <p:cNvPr id="2" name="Title 1">
             <a:extLst>
               <a:ext uri="{FF2B5EF4-FFF2-40B4-BE49-F238E27FC236}">
@@ -14267,8 +15013,8 @@
         </p:nvSpPr>
         <p:spPr>
           <a:xfrm>
-            <a:off x="838200" y="18255"/>
-            <a:ext cx="10515600" cy="1325563"/>
+            <a:off x="838199" y="18255"/>
+            <a:ext cx="10890497" cy="1325563"/>
           </a:xfrm>
         </p:spPr>
         <p:txBody>
@@ -14279,8 +15025,47 @@
           <a:p>
             <a:r>
               <a:rPr lang="en-US" dirty="0"/>
-              <a:t>Part 1: Requirements analysis</a:t>
-            </a:r>
+              <a:t>Requirements Analysis </a:t>
+            </a:r>
+            <a:br>
+              <a:rPr lang="en-US" dirty="0"/>
+            </a:br>
+            <a:r>
+              <a:rPr lang="en-US" dirty="0"/>
+              <a:t>Connects High-Level Planning To User Stories</a:t>
+            </a:r>
+          </a:p>
+        </p:txBody>
+      </p:sp>
+      <p:sp>
+        <p:nvSpPr>
+          <p:cNvPr id="4" name="Slide Number Placeholder 3">
+            <a:extLst>
+              <a:ext uri="{FF2B5EF4-FFF2-40B4-BE49-F238E27FC236}">
+                <a16:creationId xmlns:a16="http://schemas.microsoft.com/office/drawing/2014/main" id="{BA86C973-41AD-3115-8D5B-5217CFB0DD52}"/>
+              </a:ext>
+            </a:extLst>
+          </p:cNvPr>
+          <p:cNvSpPr>
+            <a:spLocks noGrp="1"/>
+          </p:cNvSpPr>
+          <p:nvPr>
+            <p:ph type="sldNum" sz="quarter" idx="12"/>
+          </p:nvPr>
+        </p:nvSpPr>
+        <p:spPr/>
+        <p:txBody>
+          <a:bodyPr>
+            <a:normAutofit/>
+          </a:bodyPr>
+          <a:lstStyle/>
+          <a:p>
+            <a:fld id="{20F37917-FD3A-4669-9018-DA04BCDD3D75}" type="slidenum">
+              <a:rPr lang="en-US" smtClean="0"/>
+              <a:pPr/>
+              <a:t>4</a:t>
+            </a:fld>
+            <a:endParaRPr lang="en-US"/>
           </a:p>
         </p:txBody>
       </p:sp>
@@ -15857,11 +16642,17 @@
           <p:cNvGraphicFramePr>
             <a:graphicFrameLocks noGrp="1"/>
           </p:cNvGraphicFramePr>
-          <p:nvPr/>
+          <p:nvPr>
+            <p:extLst>
+              <p:ext uri="{D42A27DB-BD31-4B8C-83A1-F6EECF244321}">
+                <p14:modId xmlns:p14="http://schemas.microsoft.com/office/powerpoint/2010/main" val="1179340103"/>
+              </p:ext>
+            </p:extLst>
+          </p:nvPr>
         </p:nvGraphicFramePr>
         <p:xfrm>
           <a:off x="4319921" y="3065605"/>
-          <a:ext cx="7636290" cy="3655869"/>
+          <a:ext cx="7636290" cy="4714238"/>
         </p:xfrm>
         <a:graphic>
           <a:graphicData uri="http://schemas.openxmlformats.org/drawingml/2006/table">
@@ -15892,7 +16683,7 @@
                   </a:extLst>
                 </a:gridCol>
               </a:tblGrid>
-              <a:tr h="1207443">
+              <a:tr h="2265812">
                 <a:tc>
                   <a:txBody>
                     <a:bodyPr/>
@@ -16215,7 +17006,7 @@
                     <a:bodyPr/>
                     <a:lstStyle/>
                     <a:p>
-                      <a:endParaRPr lang="en-US">
+                      <a:endParaRPr lang="en-US" dirty="0">
                         <a:solidFill>
                           <a:schemeClr val="accent1">
                             <a:lumMod val="60000"/>
@@ -16408,7 +17199,7 @@
                     <a:bodyPr/>
                     <a:lstStyle/>
                     <a:p>
-                      <a:endParaRPr lang="en-US">
+                      <a:endParaRPr lang="en-US" dirty="0">
                         <a:solidFill>
                           <a:schemeClr val="accent1">
                             <a:lumMod val="60000"/>
@@ -17622,13 +18413,45 @@
           <a:p>
             <a:r>
               <a:rPr lang="en-US" dirty="0"/>
-              <a:t>Prioritizing conditions of satisfaction within a user story a complex organization activity that requires negotiation</a:t>
-            </a:r>
-          </a:p>
-          <a:p>
+              <a:t>The last lecture covered </a:t>
+            </a:r>
+            <a:r>
+              <a:rPr lang="en-US" b="1" dirty="0"/>
+              <a:t>prioritizing</a:t>
+            </a:r>
             <a:r>
               <a:rPr lang="en-US" dirty="0"/>
-              <a:t>Prioritizing user stories is a complex </a:t>
+              <a:t> </a:t>
+            </a:r>
+            <a:r>
+              <a:rPr lang="en-US" b="1" dirty="0"/>
+              <a:t>conditions of satisfaction </a:t>
+            </a:r>
+            <a:r>
+              <a:rPr lang="en-US" dirty="0"/>
+              <a:t>within a user story. This is a complex </a:t>
+            </a:r>
+            <a:r>
+              <a:rPr lang="en-US" i="1" dirty="0"/>
+              <a:t>organization</a:t>
+            </a:r>
+            <a:r>
+              <a:rPr lang="en-US" dirty="0"/>
+              <a:t> activity that requires negotiation</a:t>
+            </a:r>
+          </a:p>
+          <a:p>
+            <a:r>
+              <a:rPr lang="en-US" dirty="0"/>
+              <a:t>Now we’re talking about </a:t>
+            </a:r>
+            <a:r>
+              <a:rPr lang="en-US" b="1" dirty="0"/>
+              <a:t>prioritizing user stories</a:t>
+            </a:r>
+            <a:r>
+              <a:rPr lang="en-US" dirty="0"/>
+              <a:t>. This is a complex </a:t>
             </a:r>
             <a:r>
               <a:rPr lang="en-US" i="1" dirty="0"/>
@@ -17637,33 +18460,6 @@
             <a:r>
               <a:rPr lang="en-US" dirty="0"/>
               <a:t>that is constrained by resources (budget, time, personnel) and multiple (competing or incompatible) ideas about what’s important</a:t>
-            </a:r>
-          </a:p>
-          <a:p>
-            <a:r>
-              <a:rPr lang="en-US" dirty="0"/>
-              <a:t>“Building the right thing” is </a:t>
-            </a:r>
-            <a:br>
-              <a:rPr lang="en-US" dirty="0"/>
-            </a:br>
-            <a:r>
-              <a:rPr lang="en-US" dirty="0"/>
-              <a:t>necessarily a value judgment </a:t>
-            </a:r>
-          </a:p>
-          <a:p>
-            <a:pPr lvl="1"/>
-            <a:r>
-              <a:rPr lang="en-US" dirty="0"/>
-              <a:t>(right for whom? </a:t>
-            </a:r>
-            <a:br>
-              <a:rPr lang="en-US" dirty="0"/>
-            </a:br>
-            <a:r>
-              <a:rPr lang="en-US" dirty="0"/>
-              <a:t>who benefits?)</a:t>
             </a:r>
           </a:p>
         </p:txBody>
@@ -17697,12 +18493,75 @@
           </a:p>
         </p:txBody>
       </p:sp>
+      <p:sp>
+        <p:nvSpPr>
+          <p:cNvPr id="6" name="Rectangle: Diagonal Corners Rounded 6">
+            <a:extLst>
+              <a:ext uri="{FF2B5EF4-FFF2-40B4-BE49-F238E27FC236}">
+                <a16:creationId xmlns:a16="http://schemas.microsoft.com/office/drawing/2014/main" id="{522DE6A9-87BA-BB52-96F7-2C8B993D80AD}"/>
+              </a:ext>
+            </a:extLst>
+          </p:cNvPr>
+          <p:cNvSpPr/>
+          <p:nvPr/>
+        </p:nvSpPr>
+        <p:spPr>
+          <a:xfrm>
+            <a:off x="11091395" y="1652424"/>
+            <a:ext cx="974268" cy="974268"/>
+          </a:xfrm>
+          <a:prstGeom prst="round2DiagRect">
+            <a:avLst>
+              <a:gd name="adj1" fmla="val 29727"/>
+              <a:gd name="adj2" fmla="val 0"/>
+            </a:avLst>
+          </a:prstGeom>
+          <a:solidFill>
+            <a:srgbClr val="00B0F0"/>
+          </a:solidFill>
+        </p:spPr>
+        <p:style>
+          <a:lnRef idx="0">
+            <a:schemeClr val="lt1">
+              <a:alpha val="0"/>
+              <a:hueOff val="0"/>
+              <a:satOff val="0"/>
+              <a:lumOff val="0"/>
+              <a:alphaOff val="0"/>
+            </a:schemeClr>
+          </a:lnRef>
+          <a:fillRef idx="1">
+            <a:schemeClr val="accent2">
+              <a:hueOff val="0"/>
+              <a:satOff val="0"/>
+              <a:lumOff val="0"/>
+              <a:alphaOff val="0"/>
+            </a:schemeClr>
+          </a:fillRef>
+          <a:effectRef idx="0">
+            <a:schemeClr val="accent2">
+              <a:hueOff val="0"/>
+              <a:satOff val="0"/>
+              <a:lumOff val="0"/>
+              <a:alphaOff val="0"/>
+            </a:schemeClr>
+          </a:effectRef>
+          <a:fontRef idx="minor"/>
+        </p:style>
+        <p:txBody>
+          <a:bodyPr/>
+          <a:lstStyle/>
+          <a:p>
+            <a:endParaRPr lang="en-US"/>
+          </a:p>
+        </p:txBody>
+      </p:sp>
       <p:pic>
         <p:nvPicPr>
-          <p:cNvPr id="5" name="Picture 4">
-            <a:extLst>
-              <a:ext uri="{FF2B5EF4-FFF2-40B4-BE49-F238E27FC236}">
-                <a16:creationId xmlns:a16="http://schemas.microsoft.com/office/drawing/2014/main" id="{89C21028-56A4-513C-8705-D4F92C580C2C}"/>
+          <p:cNvPr id="7" name="Graphic 6" descr="Flowchart with solid fill">
+            <a:extLst>
+              <a:ext uri="{FF2B5EF4-FFF2-40B4-BE49-F238E27FC236}">
+                <a16:creationId xmlns:a16="http://schemas.microsoft.com/office/drawing/2014/main" id="{08636143-AD77-7AF4-3484-74B1848FD134}"/>
               </a:ext>
             </a:extLst>
           </p:cNvPr>
@@ -17712,15 +18571,21 @@
           <p:nvPr/>
         </p:nvPicPr>
         <p:blipFill>
-          <a:blip r:embed="rId3"/>
+          <a:blip r:embed="rId3">
+            <a:extLst>
+              <a:ext uri="{96DAC541-7B7A-43D3-8B79-37D633B846F1}">
+                <asvg:svgBlip xmlns:asvg="http://schemas.microsoft.com/office/drawing/2016/SVG/main" r:embed="rId4"/>
+              </a:ext>
+            </a:extLst>
+          </a:blip>
           <a:stretch>
             <a:fillRect/>
           </a:stretch>
         </p:blipFill>
         <p:spPr>
-          <a:xfrm flipH="1">
-            <a:off x="5877403" y="4048025"/>
-            <a:ext cx="2402929" cy="2308325"/>
+          <a:xfrm>
+            <a:off x="11127193" y="1682357"/>
+            <a:ext cx="914400" cy="914400"/>
           </a:xfrm>
           <a:prstGeom prst="rect">
             <a:avLst/>
@@ -17729,107 +18594,133 @@
       </p:pic>
       <p:sp>
         <p:nvSpPr>
-          <p:cNvPr id="9" name="TextBox 8">
-            <a:extLst>
-              <a:ext uri="{FF2B5EF4-FFF2-40B4-BE49-F238E27FC236}">
-                <a16:creationId xmlns:a16="http://schemas.microsoft.com/office/drawing/2014/main" id="{6A665661-6F17-7AE3-2BAE-1DF9337B378E}"/>
-              </a:ext>
-            </a:extLst>
-          </p:cNvPr>
-          <p:cNvSpPr txBox="1"/>
+          <p:cNvPr id="8" name="Rectangle: Diagonal Corners Rounded 13">
+            <a:extLst>
+              <a:ext uri="{FF2B5EF4-FFF2-40B4-BE49-F238E27FC236}">
+                <a16:creationId xmlns:a16="http://schemas.microsoft.com/office/drawing/2014/main" id="{E922B852-4704-C27B-4827-EF040C88014C}"/>
+              </a:ext>
+            </a:extLst>
+          </p:cNvPr>
+          <p:cNvSpPr/>
           <p:nvPr/>
         </p:nvSpPr>
         <p:spPr>
           <a:xfrm>
-            <a:off x="8610600" y="4048026"/>
-            <a:ext cx="2839779" cy="2308324"/>
+            <a:off x="11091395" y="3098470"/>
+            <a:ext cx="974267" cy="974267"/>
+          </a:xfrm>
+          <a:prstGeom prst="round2DiagRect">
+            <a:avLst>
+              <a:gd name="adj1" fmla="val 29727"/>
+              <a:gd name="adj2" fmla="val 0"/>
+            </a:avLst>
+          </a:prstGeom>
+          <a:solidFill>
+            <a:srgbClr val="0070C0"/>
+          </a:solidFill>
+        </p:spPr>
+        <p:style>
+          <a:lnRef idx="0">
+            <a:schemeClr val="lt1">
+              <a:alpha val="0"/>
+              <a:hueOff val="0"/>
+              <a:satOff val="0"/>
+              <a:lumOff val="0"/>
+              <a:alphaOff val="0"/>
+            </a:schemeClr>
+          </a:lnRef>
+          <a:fillRef idx="1">
+            <a:schemeClr val="accent4">
+              <a:hueOff val="0"/>
+              <a:satOff val="0"/>
+              <a:lumOff val="0"/>
+              <a:alphaOff val="0"/>
+            </a:schemeClr>
+          </a:fillRef>
+          <a:effectRef idx="0">
+            <a:schemeClr val="accent4">
+              <a:hueOff val="0"/>
+              <a:satOff val="0"/>
+              <a:lumOff val="0"/>
+              <a:alphaOff val="0"/>
+            </a:schemeClr>
+          </a:effectRef>
+          <a:fontRef idx="minor"/>
+        </p:style>
+        <p:txBody>
+          <a:bodyPr/>
+          <a:lstStyle/>
+          <a:p>
+            <a:pPr marL="0" marR="0" lvl="0" indent="0" algn="l" defTabSz="914400" rtl="0" eaLnBrk="1" fontAlgn="auto" latinLnBrk="0" hangingPunct="1">
+              <a:lnSpc>
+                <a:spcPct val="100000"/>
+              </a:lnSpc>
+              <a:spcBef>
+                <a:spcPts val="0"/>
+              </a:spcBef>
+              <a:spcAft>
+                <a:spcPts val="0"/>
+              </a:spcAft>
+              <a:buClrTx/>
+              <a:buSzTx/>
+              <a:buFontTx/>
+              <a:buNone/>
+              <a:tabLst/>
+              <a:defRPr/>
+            </a:pPr>
+            <a:endParaRPr kumimoji="0" lang="en-US" sz="1800" b="0" i="0" u="none" strike="noStrike" kern="1200" cap="none" spc="0" normalizeH="0" baseline="0" noProof="0">
+              <a:ln>
+                <a:noFill/>
+              </a:ln>
+              <a:solidFill>
+                <a:prstClr val="black"/>
+              </a:solidFill>
+              <a:effectLst/>
+              <a:uLnTx/>
+              <a:uFillTx/>
+              <a:latin typeface="Calibri" panose="020F0502020204030204"/>
+              <a:ea typeface="+mn-ea"/>
+              <a:cs typeface="+mn-cs"/>
+            </a:endParaRPr>
+          </a:p>
+        </p:txBody>
+      </p:sp>
+      <p:pic>
+        <p:nvPicPr>
+          <p:cNvPr id="10" name="Graphic 9" descr="Thought bubble with solid fill">
+            <a:extLst>
+              <a:ext uri="{FF2B5EF4-FFF2-40B4-BE49-F238E27FC236}">
+                <a16:creationId xmlns:a16="http://schemas.microsoft.com/office/drawing/2014/main" id="{63DCD26A-C485-B032-7BC0-FF88C337574A}"/>
+              </a:ext>
+            </a:extLst>
+          </p:cNvPr>
+          <p:cNvPicPr>
+            <a:picLocks noChangeAspect="1"/>
+          </p:cNvPicPr>
+          <p:nvPr/>
+        </p:nvPicPr>
+        <p:blipFill>
+          <a:blip r:embed="rId5">
+            <a:extLst>
+              <a:ext uri="{96DAC541-7B7A-43D3-8B79-37D633B846F1}">
+                <asvg:svgBlip xmlns:asvg="http://schemas.microsoft.com/office/drawing/2016/SVG/main" r:embed="rId6"/>
+              </a:ext>
+            </a:extLst>
+          </a:blip>
+          <a:stretch>
+            <a:fillRect/>
+          </a:stretch>
+        </p:blipFill>
+        <p:spPr>
+          <a:xfrm>
+            <a:off x="11159744" y="3166821"/>
+            <a:ext cx="837566" cy="837566"/>
           </a:xfrm>
           <a:prstGeom prst="rect">
             <a:avLst/>
           </a:prstGeom>
-          <a:noFill/>
-          <a:ln w="12700" cap="flat" cmpd="sng" algn="ctr">
-            <a:noFill/>
-            <a:prstDash val="solid"/>
-            <a:miter lim="800000"/>
-          </a:ln>
-          <a:effectLst/>
         </p:spPr>
-        <p:style>
-          <a:lnRef idx="2">
-            <a:schemeClr val="accent1">
-              <a:shade val="50000"/>
-            </a:schemeClr>
-          </a:lnRef>
-          <a:fillRef idx="1">
-            <a:schemeClr val="accent1"/>
-          </a:fillRef>
-          <a:effectRef idx="0">
-            <a:schemeClr val="accent1"/>
-          </a:effectRef>
-          <a:fontRef idx="minor">
-            <a:schemeClr val="lt1"/>
-          </a:fontRef>
-        </p:style>
-        <p:txBody>
-          <a:bodyPr wrap="square">
-            <a:spAutoFit/>
-          </a:bodyPr>
-          <a:lstStyle/>
-          <a:p>
-            <a:pPr>
-              <a:buNone/>
-            </a:pPr>
-            <a:r>
-              <a:rPr lang="en-US" b="1" dirty="0">
-                <a:solidFill>
-                  <a:schemeClr val="tx1"/>
-                </a:solidFill>
-              </a:rPr>
-              <a:t>Your scientists were so preoccupied with whether or not they could, they didn't stop to think if they should." </a:t>
-            </a:r>
-          </a:p>
-          <a:p>
-            <a:pPr>
-              <a:buNone/>
-            </a:pPr>
-            <a:endParaRPr lang="en-US" b="1" dirty="0">
-              <a:solidFill>
-                <a:schemeClr val="tx1"/>
-              </a:solidFill>
-            </a:endParaRPr>
-          </a:p>
-          <a:p>
-            <a:pPr>
-              <a:buNone/>
-            </a:pPr>
-            <a:r>
-              <a:rPr lang="en-US" b="1" dirty="0">
-                <a:solidFill>
-                  <a:schemeClr val="tx1"/>
-                </a:solidFill>
-              </a:rPr>
-              <a:t>- Ian Malcom (in </a:t>
-            </a:r>
-            <a:r>
-              <a:rPr lang="en-US" b="1" i="1" dirty="0">
-                <a:solidFill>
-                  <a:schemeClr val="tx1"/>
-                </a:solidFill>
-              </a:rPr>
-              <a:t>Jurassic Park</a:t>
-            </a:r>
-            <a:r>
-              <a:rPr lang="en-US" b="1" dirty="0">
-                <a:solidFill>
-                  <a:schemeClr val="tx1"/>
-                </a:solidFill>
-              </a:rPr>
-              <a:t>, 1993) </a:t>
-            </a:r>
-          </a:p>
-        </p:txBody>
-      </p:sp>
+      </p:pic>
     </p:spTree>
     <p:extLst>
       <p:ext uri="{BB962C8B-B14F-4D97-AF65-F5344CB8AC3E}">

--- a/Slides/Module 02.1 Requirements Analysis.pptx
+++ b/Slides/Module 02.1 Requirements Analysis.pptx
@@ -3651,7 +3651,7 @@
           <a:p>
             <a:fld id="{7C7E5181-6CF5-45F7-A87A-E0E0B1FD7549}" type="datetimeFigureOut">
               <a:rPr lang="en-US" smtClean="0"/>
-              <a:t>1/1/26</a:t>
+              <a:t>1/3/26</a:t>
             </a:fld>
             <a:endParaRPr lang="en-US"/>
           </a:p>
@@ -5817,7 +5817,7 @@
           <a:p>
             <a:fld id="{5D2A64DE-480B-420F-9649-4F8E696E08E0}" type="datetime1">
               <a:rPr lang="en-US" smtClean="0"/>
-              <a:t>1/1/26</a:t>
+              <a:t>1/3/26</a:t>
             </a:fld>
             <a:endParaRPr lang="en-US"/>
           </a:p>
@@ -6141,7 +6141,7 @@
           <a:p>
             <a:fld id="{EA476A42-A091-4468-A075-64A31BE59948}" type="datetime1">
               <a:rPr lang="en-US" smtClean="0"/>
-              <a:t>1/1/26</a:t>
+              <a:t>1/3/26</a:t>
             </a:fld>
             <a:endParaRPr lang="en-US"/>
           </a:p>
@@ -6339,7 +6339,7 @@
           <a:p>
             <a:fld id="{0D3616D0-8311-4107-9726-6B805E7D05BA}" type="datetime1">
               <a:rPr lang="en-US" smtClean="0"/>
-              <a:t>1/1/26</a:t>
+              <a:t>1/3/26</a:t>
             </a:fld>
             <a:endParaRPr lang="en-US"/>
           </a:p>
@@ -6547,7 +6547,7 @@
           <a:p>
             <a:fld id="{3BC2557A-5C88-417A-A763-5AC779462A5F}" type="datetime1">
               <a:rPr lang="en-US" smtClean="0"/>
-              <a:t>1/1/26</a:t>
+              <a:t>1/3/26</a:t>
             </a:fld>
             <a:endParaRPr lang="en-US"/>
           </a:p>
@@ -6969,7 +6969,7 @@
           <a:p>
             <a:fld id="{07C7BFD4-467E-4EDE-93EA-052F5B39A4E5}" type="datetime1">
               <a:rPr lang="en-US" smtClean="0"/>
-              <a:t>1/1/26</a:t>
+              <a:t>1/3/26</a:t>
             </a:fld>
             <a:endParaRPr lang="en-US"/>
           </a:p>
@@ -7219,7 +7219,7 @@
           <a:p>
             <a:fld id="{07C7BFD4-467E-4EDE-93EA-052F5B39A4E5}" type="datetime1">
               <a:rPr lang="en-US" smtClean="0"/>
-              <a:t>1/1/26</a:t>
+              <a:t>1/3/26</a:t>
             </a:fld>
             <a:endParaRPr lang="en-US"/>
           </a:p>
@@ -7401,7 +7401,7 @@
           <a:p>
             <a:fld id="{109E55A0-C911-4F03-82FC-7E5926047D46}" type="datetime1">
               <a:rPr lang="en-US" smtClean="0"/>
-              <a:t>1/1/26</a:t>
+              <a:t>1/3/26</a:t>
             </a:fld>
             <a:endParaRPr lang="en-US"/>
           </a:p>
@@ -7714,7 +7714,7 @@
           <a:p>
             <a:fld id="{A533CBE2-D5BE-47AC-ADC2-9CDFC1D0CF90}" type="datetime1">
               <a:rPr lang="en-US" smtClean="0"/>
-              <a:t>1/1/26</a:t>
+              <a:t>1/3/26</a:t>
             </a:fld>
             <a:endParaRPr lang="en-US"/>
           </a:p>
@@ -8015,7 +8015,7 @@
           <a:p>
             <a:fld id="{39B7EDB1-CE74-4951-85A2-0B01C2128E28}" type="datetime1">
               <a:rPr lang="en-US" smtClean="0"/>
-              <a:t>1/1/26</a:t>
+              <a:t>1/3/26</a:t>
             </a:fld>
             <a:endParaRPr lang="en-US"/>
           </a:p>
@@ -8463,7 +8463,7 @@
           <a:p>
             <a:fld id="{2BC7EB92-A5C2-4807-A9DC-9EDE6CBFB241}" type="datetime1">
               <a:rPr lang="en-US" smtClean="0"/>
-              <a:t>1/1/26</a:t>
+              <a:t>1/3/26</a:t>
             </a:fld>
             <a:endParaRPr lang="en-US"/>
           </a:p>
@@ -8576,7 +8576,7 @@
           <a:p>
             <a:fld id="{2B7B7EE0-7771-4CD5-9B2B-3550753A54A1}" type="datetime1">
               <a:rPr lang="en-US" smtClean="0"/>
-              <a:t>1/1/26</a:t>
+              <a:t>1/3/26</a:t>
             </a:fld>
             <a:endParaRPr lang="en-US"/>
           </a:p>
@@ -8887,7 +8887,7 @@
           <a:p>
             <a:fld id="{F8B318B3-0E87-4416-A9B8-D891968C2727}" type="datetime1">
               <a:rPr lang="en-US" smtClean="0"/>
-              <a:t>1/1/26</a:t>
+              <a:t>1/3/26</a:t>
             </a:fld>
             <a:endParaRPr lang="en-US"/>
           </a:p>
@@ -9128,7 +9128,7 @@
           <a:p>
             <a:fld id="{54D997E8-DDEE-43F1-8D9B-F8A1E11DE488}" type="datetime1">
               <a:rPr lang="en-US" smtClean="0"/>
-              <a:t>1/1/26</a:t>
+              <a:t>1/3/26</a:t>
             </a:fld>
             <a:endParaRPr lang="en-US"/>
           </a:p>
@@ -9845,14 +9845,7 @@
           <a:p>
             <a:r>
               <a:rPr lang="en-US" dirty="0"/>
-              <a:t>Requirements Gathering </a:t>
-            </a:r>
-            <a:br>
-              <a:rPr lang="en-US" dirty="0"/>
-            </a:br>
-            <a:r>
-              <a:rPr lang="en-US" dirty="0"/>
-              <a:t>Includes Prioritizing User Stories</a:t>
+              <a:t>Requirements Gathering Includes Prioritizing User Stories</a:t>
             </a:r>
           </a:p>
         </p:txBody>
@@ -9903,7 +9896,7 @@
             </a:r>
             <a:r>
               <a:rPr lang="en-US" dirty="0"/>
-              <a:t>within a user story. This is a complex activity that requires negotiation</a:t>
+              <a:t>within a user story. </a:t>
             </a:r>
           </a:p>
           <a:p>
@@ -9925,7 +9918,7 @@
             </a:r>
             <a:r>
               <a:rPr lang="en-US" dirty="0"/>
-              <a:t>that is constrained by resources (budget, time, personnel) and multiple (competing or incompatible) ideas about what’s important</a:t>
+              <a:t>that is constrained by resources (budget, time, personnel) and multiple (competing or incompatible) ideas about what’s important.</a:t>
             </a:r>
           </a:p>
         </p:txBody>

--- a/Slides/Module 02.1 Requirements Analysis.pptx
+++ b/Slides/Module 02.1 Requirements Analysis.pptx
@@ -1473,8 +1473,8 @@
     <dgm:cxn modelId="{0D619939-DF3D-4D20-BB53-412AF78EA558}" type="presOf" srcId="{ABB0E679-4682-422A-B4B3-34D44CC4C90C}" destId="{BBEC7333-A5CB-4B43-A34A-870E516E4DD6}" srcOrd="0" destOrd="0" presId="urn:microsoft.com/office/officeart/2018/2/layout/IconVerticalSolidList"/>
     <dgm:cxn modelId="{07AC9C4A-377E-4379-B550-8DB49E3862F9}" srcId="{ABB0E679-4682-422A-B4B3-34D44CC4C90C}" destId="{8859CDF6-BBF5-4A76-8A76-407071531CB6}" srcOrd="2" destOrd="0" parTransId="{4553293F-765F-468C-A52D-17712ED16F1F}" sibTransId="{CD3D3010-EDC9-481C-A822-9AFA251D0BAD}"/>
     <dgm:cxn modelId="{F7C5F74B-BB11-4F28-9F7E-23FE778011DC}" type="presOf" srcId="{79B77230-D940-49CC-AF47-BF1D40797D89}" destId="{D527155E-0657-496B-926B-6BBC0B628D07}" srcOrd="0" destOrd="0" presId="urn:microsoft.com/office/officeart/2018/2/layout/IconVerticalSolidList"/>
+    <dgm:cxn modelId="{BBA2886E-1FC2-4FFE-BF42-BABB70DB9D54}" srcId="{ABB0E679-4682-422A-B4B3-34D44CC4C90C}" destId="{79B77230-D940-49CC-AF47-BF1D40797D89}" srcOrd="0" destOrd="0" parTransId="{C50558CC-69DA-4C28-8CB9-2982E9088524}" sibTransId="{01A261DD-4242-4987-8459-53BA826F65E4}"/>
     <dgm:cxn modelId="{16B49D51-0857-4A44-AD1A-0C1006418460}" srcId="{7851135E-E593-49EB-9C66-FB8F80DCC8EB}" destId="{0F25331F-8FB8-4E3A-87F2-3F285D74EB32}" srcOrd="2" destOrd="0" parTransId="{324E124D-8500-4C04-A0BA-6F6C2D553D81}" sibTransId="{4716CEE8-C882-4DFA-8AAE-CB3797F9F69F}"/>
-    <dgm:cxn modelId="{BBA2886E-1FC2-4FFE-BF42-BABB70DB9D54}" srcId="{ABB0E679-4682-422A-B4B3-34D44CC4C90C}" destId="{79B77230-D940-49CC-AF47-BF1D40797D89}" srcOrd="0" destOrd="0" parTransId="{C50558CC-69DA-4C28-8CB9-2982E9088524}" sibTransId="{01A261DD-4242-4987-8459-53BA826F65E4}"/>
     <dgm:cxn modelId="{6F534F79-49C3-49F2-B767-CA8451407698}" type="presOf" srcId="{2CC7D121-8A41-44D9-89BD-244AA28A42A0}" destId="{D527155E-0657-496B-926B-6BBC0B628D07}" srcOrd="0" destOrd="1" presId="urn:microsoft.com/office/officeart/2018/2/layout/IconVerticalSolidList"/>
     <dgm:cxn modelId="{83B9F09E-EAE2-4CC8-ADD5-C1D9758C0071}" type="presOf" srcId="{A898EC3E-4F02-462D-8397-BC48F29AE81B}" destId="{4FB2F518-2BF4-4FD7-A56E-47F3A3918E17}" srcOrd="0" destOrd="0" presId="urn:microsoft.com/office/officeart/2018/2/layout/IconVerticalSolidList"/>
     <dgm:cxn modelId="{D9C411B4-474A-4FB0-9E9B-1E92A378E566}" srcId="{289B9B18-ED8C-4F8C-B57D-E359AFC29DCD}" destId="{A898EC3E-4F02-462D-8397-BC48F29AE81B}" srcOrd="0" destOrd="0" parTransId="{AD9DCD49-7708-4181-B664-3E4D3C91E37D}" sibTransId="{5F251CD8-B93E-4310-9598-EB0F0D698564}"/>
@@ -3651,7 +3651,7 @@
           <a:p>
             <a:fld id="{7C7E5181-6CF5-45F7-A87A-E0E0B1FD7549}" type="datetimeFigureOut">
               <a:rPr lang="en-US" smtClean="0"/>
-              <a:t>1/3/26</a:t>
+              <a:t>1/5/2026</a:t>
             </a:fld>
             <a:endParaRPr lang="en-US"/>
           </a:p>
@@ -4321,15 +4321,7 @@
             </a:pPr>
             <a:r>
               <a:rPr lang="en-US" dirty="0"/>
-              <a:t>Identify the stakeholders and value tensions. For e.g., the stakeholders here could be site users and site owners. Their interests may align or conflict. For e.g., site users may want to be anonymous, but site owners might want to monetize site usage by sharing personal usage data with advertisers. On the </a:t>
-            </a:r>
-            <a:r>
-              <a:rPr lang="en-US"/>
-              <a:t>other hand, </a:t>
-            </a:r>
-            <a:r>
-              <a:rPr lang="en-US" dirty="0"/>
-              <a:t>they may align if the site owners want to make accountability and transparently a core value of their operations.</a:t>
+              <a:t>Identify the stakeholders and value tensions. For e.g., the stakeholders here could be site users and site owners. Their interests may align or conflict. For e.g., site users may want to be anonymous, but site owners might want to monetize site usage by sharing personal usage data with advertisers. On the other hand, they may align if the site owners want to make accountability and transparently a core value of their operations.</a:t>
             </a:r>
           </a:p>
           <a:p>
@@ -5817,7 +5809,7 @@
           <a:p>
             <a:fld id="{5D2A64DE-480B-420F-9649-4F8E696E08E0}" type="datetime1">
               <a:rPr lang="en-US" smtClean="0"/>
-              <a:t>1/3/26</a:t>
+              <a:t>1/5/2026</a:t>
             </a:fld>
             <a:endParaRPr lang="en-US"/>
           </a:p>
@@ -6141,7 +6133,7 @@
           <a:p>
             <a:fld id="{EA476A42-A091-4468-A075-64A31BE59948}" type="datetime1">
               <a:rPr lang="en-US" smtClean="0"/>
-              <a:t>1/3/26</a:t>
+              <a:t>1/5/2026</a:t>
             </a:fld>
             <a:endParaRPr lang="en-US"/>
           </a:p>
@@ -6339,7 +6331,7 @@
           <a:p>
             <a:fld id="{0D3616D0-8311-4107-9726-6B805E7D05BA}" type="datetime1">
               <a:rPr lang="en-US" smtClean="0"/>
-              <a:t>1/3/26</a:t>
+              <a:t>1/5/2026</a:t>
             </a:fld>
             <a:endParaRPr lang="en-US"/>
           </a:p>
@@ -6547,7 +6539,7 @@
           <a:p>
             <a:fld id="{3BC2557A-5C88-417A-A763-5AC779462A5F}" type="datetime1">
               <a:rPr lang="en-US" smtClean="0"/>
-              <a:t>1/3/26</a:t>
+              <a:t>1/5/2026</a:t>
             </a:fld>
             <a:endParaRPr lang="en-US"/>
           </a:p>
@@ -6969,7 +6961,7 @@
           <a:p>
             <a:fld id="{07C7BFD4-467E-4EDE-93EA-052F5B39A4E5}" type="datetime1">
               <a:rPr lang="en-US" smtClean="0"/>
-              <a:t>1/3/26</a:t>
+              <a:t>1/5/2026</a:t>
             </a:fld>
             <a:endParaRPr lang="en-US"/>
           </a:p>
@@ -7219,7 +7211,7 @@
           <a:p>
             <a:fld id="{07C7BFD4-467E-4EDE-93EA-052F5B39A4E5}" type="datetime1">
               <a:rPr lang="en-US" smtClean="0"/>
-              <a:t>1/3/26</a:t>
+              <a:t>1/5/2026</a:t>
             </a:fld>
             <a:endParaRPr lang="en-US"/>
           </a:p>
@@ -7401,7 +7393,7 @@
           <a:p>
             <a:fld id="{109E55A0-C911-4F03-82FC-7E5926047D46}" type="datetime1">
               <a:rPr lang="en-US" smtClean="0"/>
-              <a:t>1/3/26</a:t>
+              <a:t>1/5/2026</a:t>
             </a:fld>
             <a:endParaRPr lang="en-US"/>
           </a:p>
@@ -7714,7 +7706,7 @@
           <a:p>
             <a:fld id="{A533CBE2-D5BE-47AC-ADC2-9CDFC1D0CF90}" type="datetime1">
               <a:rPr lang="en-US" smtClean="0"/>
-              <a:t>1/3/26</a:t>
+              <a:t>1/5/2026</a:t>
             </a:fld>
             <a:endParaRPr lang="en-US"/>
           </a:p>
@@ -8015,7 +8007,7 @@
           <a:p>
             <a:fld id="{39B7EDB1-CE74-4951-85A2-0B01C2128E28}" type="datetime1">
               <a:rPr lang="en-US" smtClean="0"/>
-              <a:t>1/3/26</a:t>
+              <a:t>1/5/2026</a:t>
             </a:fld>
             <a:endParaRPr lang="en-US"/>
           </a:p>
@@ -8463,7 +8455,7 @@
           <a:p>
             <a:fld id="{2BC7EB92-A5C2-4807-A9DC-9EDE6CBFB241}" type="datetime1">
               <a:rPr lang="en-US" smtClean="0"/>
-              <a:t>1/3/26</a:t>
+              <a:t>1/5/2026</a:t>
             </a:fld>
             <a:endParaRPr lang="en-US"/>
           </a:p>
@@ -8576,7 +8568,7 @@
           <a:p>
             <a:fld id="{2B7B7EE0-7771-4CD5-9B2B-3550753A54A1}" type="datetime1">
               <a:rPr lang="en-US" smtClean="0"/>
-              <a:t>1/3/26</a:t>
+              <a:t>1/5/2026</a:t>
             </a:fld>
             <a:endParaRPr lang="en-US"/>
           </a:p>
@@ -8887,7 +8879,7 @@
           <a:p>
             <a:fld id="{F8B318B3-0E87-4416-A9B8-D891968C2727}" type="datetime1">
               <a:rPr lang="en-US" smtClean="0"/>
-              <a:t>1/3/26</a:t>
+              <a:t>1/5/2026</a:t>
             </a:fld>
             <a:endParaRPr lang="en-US"/>
           </a:p>
@@ -9128,7 +9120,7 @@
           <a:p>
             <a:fld id="{54D997E8-DDEE-43F1-8D9B-F8A1E11DE488}" type="datetime1">
               <a:rPr lang="en-US" smtClean="0"/>
-              <a:t>1/3/26</a:t>
+              <a:t>1/5/2026</a:t>
             </a:fld>
             <a:endParaRPr lang="en-US"/>
           </a:p>
@@ -9845,7 +9837,7 @@
           <a:p>
             <a:r>
               <a:rPr lang="en-US" dirty="0"/>
-              <a:t>Requirements Gathering Includes Prioritizing User Stories</a:t>
+              <a:t>Requirements Gathering includes Prioritizing User Stories</a:t>
             </a:r>
           </a:p>
         </p:txBody>
@@ -10378,6 +10370,76 @@
               <a:t>11</a:t>
             </a:fld>
             <a:endParaRPr lang="en-US"/>
+          </a:p>
+        </p:txBody>
+      </p:sp>
+      <p:sp>
+        <p:nvSpPr>
+          <p:cNvPr id="7" name="TextBox 6">
+            <a:extLst>
+              <a:ext uri="{FF2B5EF4-FFF2-40B4-BE49-F238E27FC236}">
+                <a16:creationId xmlns:a16="http://schemas.microsoft.com/office/drawing/2014/main" id="{CF29CAEE-49A2-6956-85C0-E61589FACF89}"/>
+              </a:ext>
+            </a:extLst>
+          </p:cNvPr>
+          <p:cNvSpPr txBox="1"/>
+          <p:nvPr/>
+        </p:nvSpPr>
+        <p:spPr>
+          <a:xfrm>
+            <a:off x="97663" y="6356350"/>
+            <a:ext cx="6100762" cy="369332"/>
+          </a:xfrm>
+          <a:prstGeom prst="rect">
+            <a:avLst/>
+          </a:prstGeom>
+          <a:noFill/>
+          <a:ln w="12700" cap="flat" cmpd="sng" algn="ctr">
+            <a:noFill/>
+            <a:prstDash val="solid"/>
+            <a:miter lim="800000"/>
+          </a:ln>
+          <a:effectLst/>
+        </p:spPr>
+        <p:style>
+          <a:lnRef idx="2">
+            <a:schemeClr val="accent1">
+              <a:shade val="50000"/>
+            </a:schemeClr>
+          </a:lnRef>
+          <a:fillRef idx="1">
+            <a:schemeClr val="accent1"/>
+          </a:fillRef>
+          <a:effectRef idx="0">
+            <a:schemeClr val="accent1"/>
+          </a:effectRef>
+          <a:fontRef idx="minor">
+            <a:schemeClr val="lt1"/>
+          </a:fontRef>
+        </p:style>
+        <p:txBody>
+          <a:bodyPr wrap="square">
+            <a:spAutoFit/>
+          </a:bodyPr>
+          <a:lstStyle/>
+          <a:p>
+            <a:r>
+              <a:rPr lang="en-US" dirty="0">
+                <a:solidFill>
+                  <a:schemeClr val="tx1"/>
+                </a:solidFill>
+                <a:hlinkClick r:id="rId3"/>
+              </a:rPr>
+              <a:t>https://vsd.ccs.neu.edu/introduction/what-is-vsd/</a:t>
+            </a:r>
+            <a:r>
+              <a:rPr lang="en-US" dirty="0">
+                <a:solidFill>
+                  <a:schemeClr val="tx1"/>
+                </a:solidFill>
+              </a:rPr>
+              <a:t> </a:t>
+            </a:r>
           </a:p>
         </p:txBody>
       </p:sp>
@@ -11072,70 +11134,6 @@
             <a:r>
               <a:rPr lang="en-US" dirty="0"/>
               <a:t>Websites use them to obtain and manage user permission for using cookies.</a:t>
-            </a:r>
-          </a:p>
-        </p:txBody>
-      </p:sp>
-      <p:sp>
-        <p:nvSpPr>
-          <p:cNvPr id="7" name="Rectangle 6">
-            <a:extLst>
-              <a:ext uri="{FF2B5EF4-FFF2-40B4-BE49-F238E27FC236}">
-                <a16:creationId xmlns:a16="http://schemas.microsoft.com/office/drawing/2014/main" id="{B34C18CB-D004-428A-F501-7FEE682E18D0}"/>
-              </a:ext>
-            </a:extLst>
-          </p:cNvPr>
-          <p:cNvSpPr/>
-          <p:nvPr/>
-        </p:nvSpPr>
-        <p:spPr>
-          <a:xfrm>
-            <a:off x="8003005" y="6007840"/>
-            <a:ext cx="2743200" cy="681622"/>
-          </a:xfrm>
-          <a:prstGeom prst="rect">
-            <a:avLst/>
-          </a:prstGeom>
-          <a:solidFill>
-            <a:schemeClr val="accent2">
-              <a:lumMod val="20000"/>
-              <a:lumOff val="80000"/>
-            </a:schemeClr>
-          </a:solidFill>
-          <a:ln>
-            <a:solidFill>
-              <a:srgbClr val="0070C0"/>
-            </a:solidFill>
-          </a:ln>
-        </p:spPr>
-        <p:style>
-          <a:lnRef idx="2">
-            <a:schemeClr val="accent1">
-              <a:shade val="50000"/>
-            </a:schemeClr>
-          </a:lnRef>
-          <a:fillRef idx="1">
-            <a:schemeClr val="accent1"/>
-          </a:fillRef>
-          <a:effectRef idx="0">
-            <a:schemeClr val="accent1"/>
-          </a:effectRef>
-          <a:fontRef idx="minor">
-            <a:schemeClr val="lt1"/>
-          </a:fontRef>
-        </p:style>
-        <p:txBody>
-          <a:bodyPr rtlCol="0" anchor="ctr"/>
-          <a:lstStyle/>
-          <a:p>
-            <a:pPr algn="l"/>
-            <a:r>
-              <a:rPr lang="en-US" sz="2800" dirty="0">
-                <a:solidFill>
-                  <a:schemeClr val="tx1"/>
-                </a:solidFill>
-              </a:rPr>
-              <a:t>Read the tutorial!</a:t>
             </a:r>
           </a:p>
         </p:txBody>
@@ -14753,14 +14751,7 @@
           <a:p>
             <a:r>
               <a:rPr lang="en-US" dirty="0"/>
-              <a:t>Requirements Analysis </a:t>
-            </a:r>
-            <a:br>
-              <a:rPr lang="en-US" dirty="0"/>
-            </a:br>
-            <a:r>
-              <a:rPr lang="en-US" dirty="0"/>
-              <a:t>Connects High-Level Planning To User Stories</a:t>
+              <a:t>Requirements Analysis connects High-Level Planning To User Stories</a:t>
             </a:r>
           </a:p>
         </p:txBody>
@@ -17173,8 +17164,8 @@
         </p:blipFill>
         <p:spPr bwMode="auto">
           <a:xfrm>
-            <a:off x="2159000" y="1968500"/>
-            <a:ext cx="7874000" cy="2921000"/>
+            <a:off x="1159023" y="1743213"/>
+            <a:ext cx="9983159" cy="3703430"/>
           </a:xfrm>
           <a:prstGeom prst="rect">
             <a:avLst/>
@@ -17246,16 +17237,9 @@
                 <a:solidFill>
                   <a:schemeClr val="tx1"/>
                 </a:solidFill>
+                <a:hlinkClick r:id="rId4"/>
               </a:rPr>
-              <a:t>https://</a:t>
-            </a:r>
-            <a:r>
-              <a:rPr lang="en-US" dirty="0" err="1">
-                <a:solidFill>
-                  <a:schemeClr val="tx1"/>
-                </a:solidFill>
-              </a:rPr>
-              <a:t>en.wikipedia.org</a:t>
+              <a:t>https://en.wikipedia.org/wiki/Tree_swing_cartoon</a:t>
             </a:r>
             <a:r>
               <a:rPr lang="en-US" dirty="0">
@@ -17263,21 +17247,8 @@
                   <a:schemeClr val="tx1"/>
                 </a:solidFill>
               </a:rPr>
-              <a:t>/wiki/</a:t>
-            </a:r>
-            <a:r>
-              <a:rPr lang="en-US" dirty="0" err="1">
-                <a:solidFill>
-                  <a:schemeClr val="tx1"/>
-                </a:solidFill>
-              </a:rPr>
-              <a:t>Tree_swing_cartoon</a:t>
-            </a:r>
-            <a:endParaRPr lang="en-US" dirty="0">
-              <a:solidFill>
-                <a:schemeClr val="tx1"/>
-              </a:solidFill>
-            </a:endParaRPr>
+              <a:t> </a:t>
+            </a:r>
           </a:p>
         </p:txBody>
       </p:sp>
@@ -18106,14 +18077,7 @@
           <a:p>
             <a:r>
               <a:rPr lang="en-US" dirty="0"/>
-              <a:t>“Building the Right Thing”</a:t>
-            </a:r>
-            <a:br>
-              <a:rPr lang="en-US" dirty="0"/>
-            </a:br>
-            <a:r>
-              <a:rPr lang="en-US" dirty="0"/>
-              <a:t>Necessarily Involves Value Judgments</a:t>
+              <a:t>“Building the Right Thing” Necessarily involves Value Judgments</a:t>
             </a:r>
           </a:p>
         </p:txBody>
